--- a/presentation.pptx
+++ b/presentation.pptx
@@ -17,30 +17,31 @@
     <p:sldId id="262" r:id="rId11"/>
     <p:sldId id="263" r:id="rId12"/>
     <p:sldId id="264" r:id="rId13"/>
+    <p:sldId id="265" r:id="rId14"/>
   </p:sldIdLst>
   <p:sldSz cy="5143500" cx="9144000"/>
   <p:notesSz cx="6858000" cy="9144000"/>
   <p:embeddedFontLst>
     <p:embeddedFont>
       <p:font typeface="Roboto"/>
-      <p:regular r:id="rId14"/>
-      <p:bold r:id="rId15"/>
-      <p:italic r:id="rId16"/>
-      <p:boldItalic r:id="rId17"/>
+      <p:regular r:id="rId15"/>
+      <p:bold r:id="rId16"/>
+      <p:italic r:id="rId17"/>
+      <p:boldItalic r:id="rId18"/>
     </p:embeddedFont>
     <p:embeddedFont>
       <p:font typeface="Lora"/>
-      <p:regular r:id="rId18"/>
-      <p:bold r:id="rId19"/>
-      <p:italic r:id="rId20"/>
-      <p:boldItalic r:id="rId21"/>
+      <p:regular r:id="rId19"/>
+      <p:bold r:id="rId20"/>
+      <p:italic r:id="rId21"/>
+      <p:boldItalic r:id="rId22"/>
     </p:embeddedFont>
     <p:embeddedFont>
       <p:font typeface="Quattrocento Sans"/>
-      <p:regular r:id="rId22"/>
-      <p:bold r:id="rId23"/>
-      <p:italic r:id="rId24"/>
-      <p:boldItalic r:id="rId25"/>
+      <p:regular r:id="rId23"/>
+      <p:bold r:id="rId24"/>
+      <p:italic r:id="rId25"/>
+      <p:boldItalic r:id="rId26"/>
     </p:embeddedFont>
   </p:embeddedFontLst>
   <p:defaultTextStyle>
@@ -800,6 +801,105 @@
 </p:notes>
 </file>
 
+<file path=ppt/notesSlides/notesSlide10.xml><?xml version="1.0" encoding="utf-8"?>
+<p:notes xmlns:a="http://schemas.openxmlformats.org/drawingml/2006/main" xmlns:r="http://schemas.openxmlformats.org/officeDocument/2006/relationships" xmlns:mc="http://schemas.openxmlformats.org/markup-compatibility/2006" xmlns:mv="urn:schemas-microsoft-com:mac:vml" xmlns:p="http://schemas.openxmlformats.org/presentationml/2006/main" xmlns:c="http://schemas.openxmlformats.org/drawingml/2006/chart" xmlns:dgm="http://schemas.openxmlformats.org/drawingml/2006/diagram" xmlns:o="urn:schemas-microsoft-com:office:office" xmlns:v="urn:schemas-microsoft-com:vml" xmlns:pvml="urn:schemas-microsoft-com:office:powerpoint" xmlns:com="http://schemas.openxmlformats.org/drawingml/2006/compatibility" xmlns:p14="http://schemas.microsoft.com/office/powerpoint/2010/main" xmlns:p15="http://schemas.microsoft.com/office/powerpoint/2012/main" xmlns:ahyp="http://schemas.microsoft.com/office/drawing/2018/hyperlinkcolor" showMasterPhAnim="0" showMasterSp="0">
+  <p:cSld>
+    <p:spTree>
+      <p:nvGrpSpPr>
+        <p:cNvPr id="208" name="Shape 208"/>
+        <p:cNvGrpSpPr/>
+        <p:nvPr/>
+      </p:nvGrpSpPr>
+      <p:grpSpPr>
+        <a:xfrm>
+          <a:off x="0" y="0"/>
+          <a:ext cx="0" cy="0"/>
+          <a:chOff x="0" y="0"/>
+          <a:chExt cx="0" cy="0"/>
+        </a:xfrm>
+      </p:grpSpPr>
+      <p:sp>
+        <p:nvSpPr>
+          <p:cNvPr id="209" name="Google Shape;209;g35ed75ccf_022:notes"/>
+          <p:cNvSpPr/>
+          <p:nvPr>
+            <p:ph idx="2" type="sldImg"/>
+          </p:nvPr>
+        </p:nvSpPr>
+        <p:spPr>
+          <a:xfrm>
+            <a:off x="381175" y="685800"/>
+            <a:ext cx="6096300" cy="3429000"/>
+          </a:xfrm>
+          <a:custGeom>
+            <a:rect b="b" l="l" r="r" t="t"/>
+            <a:pathLst>
+              <a:path extrusionOk="0" h="120000" w="120000">
+                <a:moveTo>
+                  <a:pt x="0" y="0"/>
+                </a:moveTo>
+                <a:lnTo>
+                  <a:pt x="120000" y="0"/>
+                </a:lnTo>
+                <a:lnTo>
+                  <a:pt x="120000" y="120000"/>
+                </a:lnTo>
+                <a:lnTo>
+                  <a:pt x="0" y="120000"/>
+                </a:lnTo>
+                <a:close/>
+              </a:path>
+            </a:pathLst>
+          </a:custGeom>
+        </p:spPr>
+      </p:sp>
+      <p:sp>
+        <p:nvSpPr>
+          <p:cNvPr id="210" name="Google Shape;210;g35ed75ccf_022:notes"/>
+          <p:cNvSpPr txBox="1"/>
+          <p:nvPr>
+            <p:ph idx="1" type="body"/>
+          </p:nvPr>
+        </p:nvSpPr>
+        <p:spPr>
+          <a:xfrm>
+            <a:off x="685800" y="4343400"/>
+            <a:ext cx="5486400" cy="4114800"/>
+          </a:xfrm>
+          <a:prstGeom prst="rect">
+            <a:avLst/>
+          </a:prstGeom>
+        </p:spPr>
+        <p:txBody>
+          <a:bodyPr anchorCtr="0" anchor="t" bIns="91425" lIns="91425" spcFirstLastPara="1" rIns="91425" wrap="square" tIns="91425">
+            <a:noAutofit/>
+          </a:bodyPr>
+          <a:lstStyle/>
+          <a:p>
+            <a:pPr indent="0" lvl="0" marL="0" rtl="0" algn="l">
+              <a:spcBef>
+                <a:spcPts val="0"/>
+              </a:spcBef>
+              <a:spcAft>
+                <a:spcPts val="0"/>
+              </a:spcAft>
+              <a:buNone/>
+            </a:pPr>
+            <a:r>
+              <a:t/>
+            </a:r>
+            <a:endParaRPr/>
+          </a:p>
+        </p:txBody>
+      </p:sp>
+    </p:spTree>
+  </p:cSld>
+  <p:clrMapOvr>
+    <a:masterClrMapping/>
+  </p:clrMapOvr>
+</p:notes>
+</file>
+
 <file path=ppt/notesSlides/notesSlide2.xml><?xml version="1.0" encoding="utf-8"?>
 <p:notes xmlns:a="http://schemas.openxmlformats.org/drawingml/2006/main" xmlns:r="http://schemas.openxmlformats.org/officeDocument/2006/relationships" xmlns:mc="http://schemas.openxmlformats.org/markup-compatibility/2006" xmlns:mv="urn:schemas-microsoft-com:mac:vml" xmlns:p="http://schemas.openxmlformats.org/presentationml/2006/main" xmlns:c="http://schemas.openxmlformats.org/drawingml/2006/chart" xmlns:dgm="http://schemas.openxmlformats.org/drawingml/2006/diagram" xmlns:o="urn:schemas-microsoft-com:office:office" xmlns:v="urn:schemas-microsoft-com:vml" xmlns:pvml="urn:schemas-microsoft-com:office:powerpoint" xmlns:com="http://schemas.openxmlformats.org/drawingml/2006/compatibility" xmlns:p14="http://schemas.microsoft.com/office/powerpoint/2010/main" xmlns:p15="http://schemas.microsoft.com/office/powerpoint/2012/main" xmlns:ahyp="http://schemas.microsoft.com/office/drawing/2018/hyperlinkcolor" showMasterPhAnim="0" showMasterSp="0">
   <p:cSld>
@@ -1413,7 +1513,7 @@
       </p:grpSpPr>
       <p:sp>
         <p:nvSpPr>
-          <p:cNvPr id="189" name="Google Shape;189;g35ed75ccf_0113:notes"/>
+          <p:cNvPr id="189" name="Google Shape;189;g106c557bfb9_0_0:notes"/>
           <p:cNvSpPr/>
           <p:nvPr>
             <p:ph idx="2" type="sldImg"/>
@@ -1448,7 +1548,7 @@
       </p:sp>
       <p:sp>
         <p:nvSpPr>
-          <p:cNvPr id="190" name="Google Shape;190;g35ed75ccf_0113:notes"/>
+          <p:cNvPr id="190" name="Google Shape;190;g106c557bfb9_0_0:notes"/>
           <p:cNvSpPr txBox="1"/>
           <p:nvPr>
             <p:ph idx="1" type="body"/>
@@ -1498,7 +1598,7 @@
   <p:cSld>
     <p:spTree>
       <p:nvGrpSpPr>
-        <p:cNvPr id="199" name="Shape 199"/>
+        <p:cNvPr id="198" name="Shape 198"/>
         <p:cNvGrpSpPr/>
         <p:nvPr/>
       </p:nvGrpSpPr>
@@ -1512,7 +1612,7 @@
       </p:grpSpPr>
       <p:sp>
         <p:nvSpPr>
-          <p:cNvPr id="200" name="Google Shape;200;g35ed75ccf_022:notes"/>
+          <p:cNvPr id="199" name="Google Shape;199;g35ed75ccf_0113:notes"/>
           <p:cNvSpPr/>
           <p:nvPr>
             <p:ph idx="2" type="sldImg"/>
@@ -1547,7 +1647,7 @@
       </p:sp>
       <p:sp>
         <p:nvSpPr>
-          <p:cNvPr id="201" name="Google Shape;201;g35ed75ccf_022:notes"/>
+          <p:cNvPr id="200" name="Google Shape;200;g35ed75ccf_0113:notes"/>
           <p:cNvSpPr txBox="1"/>
           <p:nvPr>
             <p:ph idx="1" type="body"/>
@@ -7882,6 +7982,939 @@
 </p:sld>
 </file>
 
+<file path=ppt/slides/slide10.xml><?xml version="1.0" encoding="utf-8"?>
+<p:sld xmlns:a="http://schemas.openxmlformats.org/drawingml/2006/main" xmlns:r="http://schemas.openxmlformats.org/officeDocument/2006/relationships" xmlns:mc="http://schemas.openxmlformats.org/markup-compatibility/2006" xmlns:mv="urn:schemas-microsoft-com:mac:vml" xmlns:p="http://schemas.openxmlformats.org/presentationml/2006/main" xmlns:c="http://schemas.openxmlformats.org/drawingml/2006/chart" xmlns:dgm="http://schemas.openxmlformats.org/drawingml/2006/diagram" xmlns:o="urn:schemas-microsoft-com:office:office" xmlns:v="urn:schemas-microsoft-com:vml" xmlns:pvml="urn:schemas-microsoft-com:office:powerpoint" xmlns:com="http://schemas.openxmlformats.org/drawingml/2006/compatibility" xmlns:p14="http://schemas.microsoft.com/office/powerpoint/2010/main" xmlns:p15="http://schemas.microsoft.com/office/powerpoint/2012/main" xmlns:ahyp="http://schemas.microsoft.com/office/drawing/2018/hyperlinkcolor">
+  <p:cSld>
+    <p:spTree>
+      <p:nvGrpSpPr>
+        <p:cNvPr id="211" name="Shape 211"/>
+        <p:cNvGrpSpPr/>
+        <p:nvPr/>
+      </p:nvGrpSpPr>
+      <p:grpSpPr>
+        <a:xfrm>
+          <a:off x="0" y="0"/>
+          <a:ext cx="0" cy="0"/>
+          <a:chOff x="0" y="0"/>
+          <a:chExt cx="0" cy="0"/>
+        </a:xfrm>
+      </p:grpSpPr>
+      <p:cxnSp>
+        <p:nvCxnSpPr>
+          <p:cNvPr id="212" name="Google Shape;212;p21"/>
+          <p:cNvCxnSpPr/>
+          <p:nvPr/>
+        </p:nvCxnSpPr>
+        <p:spPr>
+          <a:xfrm>
+            <a:off x="6450" y="1428750"/>
+            <a:ext cx="2397300" cy="0"/>
+          </a:xfrm>
+          <a:prstGeom prst="straightConnector1">
+            <a:avLst/>
+          </a:prstGeom>
+          <a:noFill/>
+          <a:ln cap="flat" cmpd="sng" w="9525">
+            <a:solidFill>
+              <a:srgbClr val="CCCCCC"/>
+            </a:solidFill>
+            <a:prstDash val="solid"/>
+            <a:round/>
+            <a:headEnd len="med" w="med" type="none"/>
+            <a:tailEnd len="med" w="med" type="none"/>
+          </a:ln>
+        </p:spPr>
+      </p:cxnSp>
+      <p:sp>
+        <p:nvSpPr>
+          <p:cNvPr id="213" name="Google Shape;213;p21"/>
+          <p:cNvSpPr txBox="1"/>
+          <p:nvPr>
+            <p:ph idx="4294967295" type="ctrTitle"/>
+          </p:nvPr>
+        </p:nvSpPr>
+        <p:spPr>
+          <a:xfrm>
+            <a:off x="2371625" y="816550"/>
+            <a:ext cx="4908000" cy="1159800"/>
+          </a:xfrm>
+          <a:prstGeom prst="rect">
+            <a:avLst/>
+          </a:prstGeom>
+        </p:spPr>
+        <p:txBody>
+          <a:bodyPr anchorCtr="0" anchor="ctr" bIns="91425" lIns="91425" spcFirstLastPara="1" rIns="91425" wrap="square" tIns="91425">
+            <a:noAutofit/>
+          </a:bodyPr>
+          <a:lstStyle/>
+          <a:p>
+            <a:pPr indent="0" lvl="0" marL="0" rtl="0" algn="l">
+              <a:spcBef>
+                <a:spcPts val="0"/>
+              </a:spcBef>
+              <a:spcAft>
+                <a:spcPts val="0"/>
+              </a:spcAft>
+              <a:buNone/>
+            </a:pPr>
+            <a:r>
+              <a:rPr lang="en" sz="6000"/>
+              <a:t>Thanks!</a:t>
+            </a:r>
+            <a:endParaRPr sz="6000"/>
+          </a:p>
+        </p:txBody>
+      </p:sp>
+      <p:cxnSp>
+        <p:nvCxnSpPr>
+          <p:cNvPr id="214" name="Google Shape;214;p21"/>
+          <p:cNvCxnSpPr/>
+          <p:nvPr/>
+        </p:nvCxnSpPr>
+        <p:spPr>
+          <a:xfrm>
+            <a:off x="5589800" y="1428750"/>
+            <a:ext cx="3554100" cy="0"/>
+          </a:xfrm>
+          <a:prstGeom prst="straightConnector1">
+            <a:avLst/>
+          </a:prstGeom>
+          <a:noFill/>
+          <a:ln cap="flat" cmpd="sng" w="9525">
+            <a:solidFill>
+              <a:srgbClr val="CCCCCC"/>
+            </a:solidFill>
+            <a:prstDash val="solid"/>
+            <a:round/>
+            <a:headEnd len="med" w="med" type="none"/>
+            <a:tailEnd len="med" w="med" type="none"/>
+          </a:ln>
+        </p:spPr>
+      </p:cxnSp>
+      <p:sp>
+        <p:nvSpPr>
+          <p:cNvPr id="215" name="Google Shape;215;p21"/>
+          <p:cNvSpPr/>
+          <p:nvPr/>
+        </p:nvSpPr>
+        <p:spPr>
+          <a:xfrm>
+            <a:off x="831925" y="859175"/>
+            <a:ext cx="1139100" cy="1139100"/>
+          </a:xfrm>
+          <a:prstGeom prst="ellipse">
+            <a:avLst/>
+          </a:prstGeom>
+          <a:solidFill>
+            <a:srgbClr val="FFCD00"/>
+          </a:solidFill>
+          <a:ln>
+            <a:noFill/>
+          </a:ln>
+        </p:spPr>
+        <p:txBody>
+          <a:bodyPr anchorCtr="0" anchor="ctr" bIns="91425" lIns="91425" spcFirstLastPara="1" rIns="91425" wrap="square" tIns="91425">
+            <a:noAutofit/>
+          </a:bodyPr>
+          <a:lstStyle/>
+          <a:p>
+            <a:pPr indent="0" lvl="0" marL="0" rtl="0" algn="l">
+              <a:spcBef>
+                <a:spcPts val="0"/>
+              </a:spcBef>
+              <a:spcAft>
+                <a:spcPts val="0"/>
+              </a:spcAft>
+              <a:buNone/>
+            </a:pPr>
+            <a:r>
+              <a:t/>
+            </a:r>
+            <a:endParaRPr/>
+          </a:p>
+        </p:txBody>
+      </p:sp>
+      <p:grpSp>
+        <p:nvGrpSpPr>
+          <p:cNvPr id="216" name="Google Shape;216;p21"/>
+          <p:cNvGrpSpPr/>
+          <p:nvPr/>
+        </p:nvGrpSpPr>
+        <p:grpSpPr>
+          <a:xfrm>
+            <a:off x="1148888" y="1190759"/>
+            <a:ext cx="505722" cy="475767"/>
+            <a:chOff x="5972700" y="2330200"/>
+            <a:chExt cx="411625" cy="387275"/>
+          </a:xfrm>
+        </p:grpSpPr>
+        <p:sp>
+          <p:nvSpPr>
+            <p:cNvPr id="217" name="Google Shape;217;p21"/>
+            <p:cNvSpPr/>
+            <p:nvPr/>
+          </p:nvSpPr>
+          <p:spPr>
+            <a:xfrm>
+              <a:off x="5972700" y="2476950"/>
+              <a:ext cx="98050" cy="219825"/>
+            </a:xfrm>
+            <a:custGeom>
+              <a:rect b="b" l="l" r="r" t="t"/>
+              <a:pathLst>
+                <a:path extrusionOk="0" fill="none" h="8793" w="3922">
+                  <a:moveTo>
+                    <a:pt x="0" y="0"/>
+                  </a:moveTo>
+                  <a:lnTo>
+                    <a:pt x="0" y="8792"/>
+                  </a:lnTo>
+                  <a:lnTo>
+                    <a:pt x="3921" y="8792"/>
+                  </a:lnTo>
+                  <a:lnTo>
+                    <a:pt x="3921" y="0"/>
+                  </a:lnTo>
+                  <a:lnTo>
+                    <a:pt x="0" y="0"/>
+                  </a:lnTo>
+                  <a:close/>
+                  <a:moveTo>
+                    <a:pt x="2411" y="2411"/>
+                  </a:moveTo>
+                  <a:lnTo>
+                    <a:pt x="2411" y="2411"/>
+                  </a:lnTo>
+                  <a:lnTo>
+                    <a:pt x="2265" y="2387"/>
+                  </a:lnTo>
+                  <a:lnTo>
+                    <a:pt x="2143" y="2363"/>
+                  </a:lnTo>
+                  <a:lnTo>
+                    <a:pt x="2022" y="2290"/>
+                  </a:lnTo>
+                  <a:lnTo>
+                    <a:pt x="1924" y="2216"/>
+                  </a:lnTo>
+                  <a:lnTo>
+                    <a:pt x="1827" y="2095"/>
+                  </a:lnTo>
+                  <a:lnTo>
+                    <a:pt x="1754" y="1973"/>
+                  </a:lnTo>
+                  <a:lnTo>
+                    <a:pt x="1729" y="1851"/>
+                  </a:lnTo>
+                  <a:lnTo>
+                    <a:pt x="1705" y="1705"/>
+                  </a:lnTo>
+                  <a:lnTo>
+                    <a:pt x="1705" y="1705"/>
+                  </a:lnTo>
+                  <a:lnTo>
+                    <a:pt x="1729" y="1559"/>
+                  </a:lnTo>
+                  <a:lnTo>
+                    <a:pt x="1754" y="1437"/>
+                  </a:lnTo>
+                  <a:lnTo>
+                    <a:pt x="1827" y="1315"/>
+                  </a:lnTo>
+                  <a:lnTo>
+                    <a:pt x="1924" y="1218"/>
+                  </a:lnTo>
+                  <a:lnTo>
+                    <a:pt x="2022" y="1120"/>
+                  </a:lnTo>
+                  <a:lnTo>
+                    <a:pt x="2143" y="1072"/>
+                  </a:lnTo>
+                  <a:lnTo>
+                    <a:pt x="2265" y="1023"/>
+                  </a:lnTo>
+                  <a:lnTo>
+                    <a:pt x="2411" y="999"/>
+                  </a:lnTo>
+                  <a:lnTo>
+                    <a:pt x="2411" y="999"/>
+                  </a:lnTo>
+                  <a:lnTo>
+                    <a:pt x="2557" y="1023"/>
+                  </a:lnTo>
+                  <a:lnTo>
+                    <a:pt x="2679" y="1072"/>
+                  </a:lnTo>
+                  <a:lnTo>
+                    <a:pt x="2801" y="1120"/>
+                  </a:lnTo>
+                  <a:lnTo>
+                    <a:pt x="2898" y="1218"/>
+                  </a:lnTo>
+                  <a:lnTo>
+                    <a:pt x="2996" y="1315"/>
+                  </a:lnTo>
+                  <a:lnTo>
+                    <a:pt x="3069" y="1437"/>
+                  </a:lnTo>
+                  <a:lnTo>
+                    <a:pt x="3093" y="1559"/>
+                  </a:lnTo>
+                  <a:lnTo>
+                    <a:pt x="3118" y="1705"/>
+                  </a:lnTo>
+                  <a:lnTo>
+                    <a:pt x="3118" y="1705"/>
+                  </a:lnTo>
+                  <a:lnTo>
+                    <a:pt x="3093" y="1851"/>
+                  </a:lnTo>
+                  <a:lnTo>
+                    <a:pt x="3069" y="1973"/>
+                  </a:lnTo>
+                  <a:lnTo>
+                    <a:pt x="2996" y="2095"/>
+                  </a:lnTo>
+                  <a:lnTo>
+                    <a:pt x="2898" y="2216"/>
+                  </a:lnTo>
+                  <a:lnTo>
+                    <a:pt x="2801" y="2290"/>
+                  </a:lnTo>
+                  <a:lnTo>
+                    <a:pt x="2679" y="2363"/>
+                  </a:lnTo>
+                  <a:lnTo>
+                    <a:pt x="2557" y="2387"/>
+                  </a:lnTo>
+                  <a:lnTo>
+                    <a:pt x="2411" y="2411"/>
+                  </a:lnTo>
+                  <a:lnTo>
+                    <a:pt x="2411" y="2411"/>
+                  </a:lnTo>
+                  <a:close/>
+                </a:path>
+              </a:pathLst>
+            </a:custGeom>
+            <a:noFill/>
+            <a:ln cap="rnd" cmpd="sng" w="9525">
+              <a:solidFill>
+                <a:srgbClr val="000000"/>
+              </a:solidFill>
+              <a:prstDash val="solid"/>
+              <a:round/>
+              <a:headEnd len="sm" w="sm" type="none"/>
+              <a:tailEnd len="sm" w="sm" type="none"/>
+            </a:ln>
+          </p:spPr>
+          <p:txBody>
+            <a:bodyPr anchorCtr="0" anchor="ctr" bIns="91425" lIns="91425" spcFirstLastPara="1" rIns="91425" wrap="square" tIns="91425">
+              <a:noAutofit/>
+            </a:bodyPr>
+            <a:lstStyle/>
+            <a:p>
+              <a:pPr indent="0" lvl="0" marL="0" rtl="0" algn="l">
+                <a:spcBef>
+                  <a:spcPts val="0"/>
+                </a:spcBef>
+                <a:spcAft>
+                  <a:spcPts val="0"/>
+                </a:spcAft>
+                <a:buNone/>
+              </a:pPr>
+              <a:r>
+                <a:t/>
+              </a:r>
+              <a:endParaRPr/>
+            </a:p>
+          </p:txBody>
+        </p:sp>
+        <p:sp>
+          <p:nvSpPr>
+            <p:cNvPr id="218" name="Google Shape;218;p21"/>
+            <p:cNvSpPr/>
+            <p:nvPr/>
+          </p:nvSpPr>
+          <p:spPr>
+            <a:xfrm>
+              <a:off x="6078025" y="2330200"/>
+              <a:ext cx="306300" cy="387275"/>
+            </a:xfrm>
+            <a:custGeom>
+              <a:rect b="b" l="l" r="r" t="t"/>
+              <a:pathLst>
+                <a:path extrusionOk="0" fill="none" h="15491" w="12252">
+                  <a:moveTo>
+                    <a:pt x="1" y="13396"/>
+                  </a:moveTo>
+                  <a:lnTo>
+                    <a:pt x="1511" y="13396"/>
+                  </a:lnTo>
+                  <a:lnTo>
+                    <a:pt x="1511" y="13396"/>
+                  </a:lnTo>
+                  <a:lnTo>
+                    <a:pt x="1998" y="13639"/>
+                  </a:lnTo>
+                  <a:lnTo>
+                    <a:pt x="2680" y="13932"/>
+                  </a:lnTo>
+                  <a:lnTo>
+                    <a:pt x="3556" y="14273"/>
+                  </a:lnTo>
+                  <a:lnTo>
+                    <a:pt x="4531" y="14638"/>
+                  </a:lnTo>
+                  <a:lnTo>
+                    <a:pt x="5578" y="14955"/>
+                  </a:lnTo>
+                  <a:lnTo>
+                    <a:pt x="6114" y="15101"/>
+                  </a:lnTo>
+                  <a:lnTo>
+                    <a:pt x="6650" y="15222"/>
+                  </a:lnTo>
+                  <a:lnTo>
+                    <a:pt x="7161" y="15344"/>
+                  </a:lnTo>
+                  <a:lnTo>
+                    <a:pt x="7672" y="15417"/>
+                  </a:lnTo>
+                  <a:lnTo>
+                    <a:pt x="8135" y="15466"/>
+                  </a:lnTo>
+                  <a:lnTo>
+                    <a:pt x="8598" y="15490"/>
+                  </a:lnTo>
+                  <a:lnTo>
+                    <a:pt x="8598" y="15490"/>
+                  </a:lnTo>
+                  <a:lnTo>
+                    <a:pt x="9377" y="15490"/>
+                  </a:lnTo>
+                  <a:lnTo>
+                    <a:pt x="9791" y="15466"/>
+                  </a:lnTo>
+                  <a:lnTo>
+                    <a:pt x="10181" y="15417"/>
+                  </a:lnTo>
+                  <a:lnTo>
+                    <a:pt x="10522" y="15320"/>
+                  </a:lnTo>
+                  <a:lnTo>
+                    <a:pt x="10692" y="15271"/>
+                  </a:lnTo>
+                  <a:lnTo>
+                    <a:pt x="10814" y="15222"/>
+                  </a:lnTo>
+                  <a:lnTo>
+                    <a:pt x="10936" y="15149"/>
+                  </a:lnTo>
+                  <a:lnTo>
+                    <a:pt x="11033" y="15052"/>
+                  </a:lnTo>
+                  <a:lnTo>
+                    <a:pt x="11082" y="14955"/>
+                  </a:lnTo>
+                  <a:lnTo>
+                    <a:pt x="11131" y="14833"/>
+                  </a:lnTo>
+                  <a:lnTo>
+                    <a:pt x="11204" y="14126"/>
+                  </a:lnTo>
+                  <a:lnTo>
+                    <a:pt x="11204" y="14126"/>
+                  </a:lnTo>
+                  <a:lnTo>
+                    <a:pt x="11180" y="13956"/>
+                  </a:lnTo>
+                  <a:lnTo>
+                    <a:pt x="11131" y="13810"/>
+                  </a:lnTo>
+                  <a:lnTo>
+                    <a:pt x="11033" y="13664"/>
+                  </a:lnTo>
+                  <a:lnTo>
+                    <a:pt x="10887" y="13542"/>
+                  </a:lnTo>
+                  <a:lnTo>
+                    <a:pt x="10887" y="13542"/>
+                  </a:lnTo>
+                  <a:lnTo>
+                    <a:pt x="11009" y="13518"/>
+                  </a:lnTo>
+                  <a:lnTo>
+                    <a:pt x="11131" y="13469"/>
+                  </a:lnTo>
+                  <a:lnTo>
+                    <a:pt x="11253" y="13420"/>
+                  </a:lnTo>
+                  <a:lnTo>
+                    <a:pt x="11350" y="13323"/>
+                  </a:lnTo>
+                  <a:lnTo>
+                    <a:pt x="11423" y="13225"/>
+                  </a:lnTo>
+                  <a:lnTo>
+                    <a:pt x="11496" y="13104"/>
+                  </a:lnTo>
+                  <a:lnTo>
+                    <a:pt x="11545" y="12957"/>
+                  </a:lnTo>
+                  <a:lnTo>
+                    <a:pt x="11569" y="12836"/>
+                  </a:lnTo>
+                  <a:lnTo>
+                    <a:pt x="11642" y="11959"/>
+                  </a:lnTo>
+                  <a:lnTo>
+                    <a:pt x="11642" y="11959"/>
+                  </a:lnTo>
+                  <a:lnTo>
+                    <a:pt x="11642" y="11837"/>
+                  </a:lnTo>
+                  <a:lnTo>
+                    <a:pt x="11642" y="11740"/>
+                  </a:lnTo>
+                  <a:lnTo>
+                    <a:pt x="11618" y="11618"/>
+                  </a:lnTo>
+                  <a:lnTo>
+                    <a:pt x="11569" y="11521"/>
+                  </a:lnTo>
+                  <a:lnTo>
+                    <a:pt x="11447" y="11350"/>
+                  </a:lnTo>
+                  <a:lnTo>
+                    <a:pt x="11374" y="11277"/>
+                  </a:lnTo>
+                  <a:lnTo>
+                    <a:pt x="11301" y="11204"/>
+                  </a:lnTo>
+                  <a:lnTo>
+                    <a:pt x="11301" y="11204"/>
+                  </a:lnTo>
+                  <a:lnTo>
+                    <a:pt x="11423" y="11180"/>
+                  </a:lnTo>
+                  <a:lnTo>
+                    <a:pt x="11521" y="11131"/>
+                  </a:lnTo>
+                  <a:lnTo>
+                    <a:pt x="11618" y="11058"/>
+                  </a:lnTo>
+                  <a:lnTo>
+                    <a:pt x="11715" y="10960"/>
+                  </a:lnTo>
+                  <a:lnTo>
+                    <a:pt x="11788" y="10863"/>
+                  </a:lnTo>
+                  <a:lnTo>
+                    <a:pt x="11837" y="10766"/>
+                  </a:lnTo>
+                  <a:lnTo>
+                    <a:pt x="11886" y="10644"/>
+                  </a:lnTo>
+                  <a:lnTo>
+                    <a:pt x="11910" y="10498"/>
+                  </a:lnTo>
+                  <a:lnTo>
+                    <a:pt x="11983" y="9645"/>
+                  </a:lnTo>
+                  <a:lnTo>
+                    <a:pt x="11983" y="9645"/>
+                  </a:lnTo>
+                  <a:lnTo>
+                    <a:pt x="11983" y="9523"/>
+                  </a:lnTo>
+                  <a:lnTo>
+                    <a:pt x="11983" y="9402"/>
+                  </a:lnTo>
+                  <a:lnTo>
+                    <a:pt x="11959" y="9280"/>
+                  </a:lnTo>
+                  <a:lnTo>
+                    <a:pt x="11910" y="9182"/>
+                  </a:lnTo>
+                  <a:lnTo>
+                    <a:pt x="11861" y="9085"/>
+                  </a:lnTo>
+                  <a:lnTo>
+                    <a:pt x="11788" y="9012"/>
+                  </a:lnTo>
+                  <a:lnTo>
+                    <a:pt x="11715" y="8939"/>
+                  </a:lnTo>
+                  <a:lnTo>
+                    <a:pt x="11618" y="8866"/>
+                  </a:lnTo>
+                  <a:lnTo>
+                    <a:pt x="11618" y="8866"/>
+                  </a:lnTo>
+                  <a:lnTo>
+                    <a:pt x="11715" y="8841"/>
+                  </a:lnTo>
+                  <a:lnTo>
+                    <a:pt x="11813" y="8768"/>
+                  </a:lnTo>
+                  <a:lnTo>
+                    <a:pt x="11910" y="8695"/>
+                  </a:lnTo>
+                  <a:lnTo>
+                    <a:pt x="11983" y="8622"/>
+                  </a:lnTo>
+                  <a:lnTo>
+                    <a:pt x="12056" y="8525"/>
+                  </a:lnTo>
+                  <a:lnTo>
+                    <a:pt x="12105" y="8427"/>
+                  </a:lnTo>
+                  <a:lnTo>
+                    <a:pt x="12129" y="8306"/>
+                  </a:lnTo>
+                  <a:lnTo>
+                    <a:pt x="12154" y="8184"/>
+                  </a:lnTo>
+                  <a:lnTo>
+                    <a:pt x="12251" y="7307"/>
+                  </a:lnTo>
+                  <a:lnTo>
+                    <a:pt x="12251" y="7307"/>
+                  </a:lnTo>
+                  <a:lnTo>
+                    <a:pt x="12227" y="7185"/>
+                  </a:lnTo>
+                  <a:lnTo>
+                    <a:pt x="12202" y="7064"/>
+                  </a:lnTo>
+                  <a:lnTo>
+                    <a:pt x="12154" y="6966"/>
+                  </a:lnTo>
+                  <a:lnTo>
+                    <a:pt x="12105" y="6869"/>
+                  </a:lnTo>
+                  <a:lnTo>
+                    <a:pt x="12032" y="6771"/>
+                  </a:lnTo>
+                  <a:lnTo>
+                    <a:pt x="11935" y="6698"/>
+                  </a:lnTo>
+                  <a:lnTo>
+                    <a:pt x="11715" y="6552"/>
+                  </a:lnTo>
+                  <a:lnTo>
+                    <a:pt x="11472" y="6430"/>
+                  </a:lnTo>
+                  <a:lnTo>
+                    <a:pt x="11180" y="6333"/>
+                  </a:lnTo>
+                  <a:lnTo>
+                    <a:pt x="10863" y="6260"/>
+                  </a:lnTo>
+                  <a:lnTo>
+                    <a:pt x="10546" y="6211"/>
+                  </a:lnTo>
+                  <a:lnTo>
+                    <a:pt x="10546" y="6211"/>
+                  </a:lnTo>
+                  <a:lnTo>
+                    <a:pt x="9864" y="6114"/>
+                  </a:lnTo>
+                  <a:lnTo>
+                    <a:pt x="8817" y="6016"/>
+                  </a:lnTo>
+                  <a:lnTo>
+                    <a:pt x="7575" y="5943"/>
+                  </a:lnTo>
+                  <a:lnTo>
+                    <a:pt x="6309" y="5870"/>
+                  </a:lnTo>
+                  <a:lnTo>
+                    <a:pt x="6309" y="5870"/>
+                  </a:lnTo>
+                  <a:lnTo>
+                    <a:pt x="6479" y="5578"/>
+                  </a:lnTo>
+                  <a:lnTo>
+                    <a:pt x="6625" y="5237"/>
+                  </a:lnTo>
+                  <a:lnTo>
+                    <a:pt x="6771" y="4872"/>
+                  </a:lnTo>
+                  <a:lnTo>
+                    <a:pt x="6869" y="4482"/>
+                  </a:lnTo>
+                  <a:lnTo>
+                    <a:pt x="6966" y="4092"/>
+                  </a:lnTo>
+                  <a:lnTo>
+                    <a:pt x="7064" y="3678"/>
+                  </a:lnTo>
+                  <a:lnTo>
+                    <a:pt x="7161" y="2875"/>
+                  </a:lnTo>
+                  <a:lnTo>
+                    <a:pt x="7234" y="2144"/>
+                  </a:lnTo>
+                  <a:lnTo>
+                    <a:pt x="7283" y="1535"/>
+                  </a:lnTo>
+                  <a:lnTo>
+                    <a:pt x="7283" y="975"/>
+                  </a:lnTo>
+                  <a:lnTo>
+                    <a:pt x="7283" y="975"/>
+                  </a:lnTo>
+                  <a:lnTo>
+                    <a:pt x="7283" y="804"/>
+                  </a:lnTo>
+                  <a:lnTo>
+                    <a:pt x="7210" y="609"/>
+                  </a:lnTo>
+                  <a:lnTo>
+                    <a:pt x="7137" y="463"/>
+                  </a:lnTo>
+                  <a:lnTo>
+                    <a:pt x="7015" y="317"/>
+                  </a:lnTo>
+                  <a:lnTo>
+                    <a:pt x="6869" y="171"/>
+                  </a:lnTo>
+                  <a:lnTo>
+                    <a:pt x="6698" y="98"/>
+                  </a:lnTo>
+                  <a:lnTo>
+                    <a:pt x="6503" y="25"/>
+                  </a:lnTo>
+                  <a:lnTo>
+                    <a:pt x="6309" y="1"/>
+                  </a:lnTo>
+                  <a:lnTo>
+                    <a:pt x="6309" y="1"/>
+                  </a:lnTo>
+                  <a:lnTo>
+                    <a:pt x="5943" y="25"/>
+                  </a:lnTo>
+                  <a:lnTo>
+                    <a:pt x="5700" y="74"/>
+                  </a:lnTo>
+                  <a:lnTo>
+                    <a:pt x="5505" y="147"/>
+                  </a:lnTo>
+                  <a:lnTo>
+                    <a:pt x="5359" y="220"/>
+                  </a:lnTo>
+                  <a:lnTo>
+                    <a:pt x="5359" y="220"/>
+                  </a:lnTo>
+                  <a:lnTo>
+                    <a:pt x="4969" y="1462"/>
+                  </a:lnTo>
+                  <a:lnTo>
+                    <a:pt x="4774" y="2022"/>
+                  </a:lnTo>
+                  <a:lnTo>
+                    <a:pt x="4579" y="2534"/>
+                  </a:lnTo>
+                  <a:lnTo>
+                    <a:pt x="4385" y="2996"/>
+                  </a:lnTo>
+                  <a:lnTo>
+                    <a:pt x="4190" y="3386"/>
+                  </a:lnTo>
+                  <a:lnTo>
+                    <a:pt x="4019" y="3678"/>
+                  </a:lnTo>
+                  <a:lnTo>
+                    <a:pt x="3873" y="3922"/>
+                  </a:lnTo>
+                  <a:lnTo>
+                    <a:pt x="3873" y="3922"/>
+                  </a:lnTo>
+                  <a:lnTo>
+                    <a:pt x="3654" y="4141"/>
+                  </a:lnTo>
+                  <a:lnTo>
+                    <a:pt x="3313" y="4482"/>
+                  </a:lnTo>
+                  <a:lnTo>
+                    <a:pt x="2509" y="5237"/>
+                  </a:lnTo>
+                  <a:lnTo>
+                    <a:pt x="1438" y="6211"/>
+                  </a:lnTo>
+                  <a:lnTo>
+                    <a:pt x="1" y="6211"/>
+                  </a:lnTo>
+                </a:path>
+              </a:pathLst>
+            </a:custGeom>
+            <a:noFill/>
+            <a:ln cap="rnd" cmpd="sng" w="9525">
+              <a:solidFill>
+                <a:srgbClr val="000000"/>
+              </a:solidFill>
+              <a:prstDash val="solid"/>
+              <a:round/>
+              <a:headEnd len="sm" w="sm" type="none"/>
+              <a:tailEnd len="sm" w="sm" type="none"/>
+            </a:ln>
+          </p:spPr>
+          <p:txBody>
+            <a:bodyPr anchorCtr="0" anchor="ctr" bIns="91425" lIns="91425" spcFirstLastPara="1" rIns="91425" wrap="square" tIns="91425">
+              <a:noAutofit/>
+            </a:bodyPr>
+            <a:lstStyle/>
+            <a:p>
+              <a:pPr indent="0" lvl="0" marL="0" rtl="0" algn="l">
+                <a:spcBef>
+                  <a:spcPts val="0"/>
+                </a:spcBef>
+                <a:spcAft>
+                  <a:spcPts val="0"/>
+                </a:spcAft>
+                <a:buNone/>
+              </a:pPr>
+              <a:r>
+                <a:t/>
+              </a:r>
+              <a:endParaRPr/>
+            </a:p>
+          </p:txBody>
+        </p:sp>
+      </p:grpSp>
+      <p:sp>
+        <p:nvSpPr>
+          <p:cNvPr id="219" name="Google Shape;219;p21"/>
+          <p:cNvSpPr txBox="1"/>
+          <p:nvPr>
+            <p:ph idx="12" type="sldNum"/>
+          </p:nvPr>
+        </p:nvSpPr>
+        <p:spPr>
+          <a:xfrm>
+            <a:off x="8543227" y="4749851"/>
+            <a:ext cx="548700" cy="393600"/>
+          </a:xfrm>
+          <a:prstGeom prst="rect">
+            <a:avLst/>
+          </a:prstGeom>
+        </p:spPr>
+        <p:txBody>
+          <a:bodyPr anchorCtr="0" anchor="t" bIns="91425" lIns="91425" spcFirstLastPara="1" rIns="91425" wrap="square" tIns="91425">
+            <a:noAutofit/>
+          </a:bodyPr>
+          <a:lstStyle/>
+          <a:p>
+            <a:pPr indent="0" lvl="0" marL="0" rtl="0" algn="r">
+              <a:spcBef>
+                <a:spcPts val="0"/>
+              </a:spcBef>
+              <a:spcAft>
+                <a:spcPts val="0"/>
+              </a:spcAft>
+              <a:buNone/>
+            </a:pPr>
+            <a:fld id="{00000000-1234-1234-1234-123412341234}" type="slidenum">
+              <a:rPr lang="en"/>
+              <a:t>‹#›</a:t>
+            </a:fld>
+            <a:endParaRPr/>
+          </a:p>
+        </p:txBody>
+      </p:sp>
+    </p:spTree>
+  </p:cSld>
+  <p:clrMapOvr>
+    <a:masterClrMapping/>
+  </p:clrMapOvr>
+  <p:timing>
+    <p:tnLst>
+      <p:par>
+        <p:cTn dur="indefinite" nodeType="tmRoot" restart="never">
+          <p:childTnLst>
+            <p:seq concurrent="1" nextAc="seek">
+              <p:cTn dur="indefinite" id="2" nodeType="mainSeq">
+                <p:childTnLst>
+                  <p:par>
+                    <p:cTn fill="hold">
+                      <p:stCondLst>
+                        <p:cond delay="indefinite"/>
+                      </p:stCondLst>
+                      <p:childTnLst>
+                        <p:par>
+                          <p:cTn fill="hold">
+                            <p:stCondLst>
+                              <p:cond delay="0"/>
+                            </p:stCondLst>
+                            <p:childTnLst>
+                              <p:par>
+                                <p:cTn fill="hold" nodeType="clickEffect" presetClass="entr" presetID="10" presetSubtype="0">
+                                  <p:stCondLst>
+                                    <p:cond delay="0"/>
+                                  </p:stCondLst>
+                                  <p:childTnLst>
+                                    <p:set>
+                                      <p:cBhvr>
+                                        <p:cTn dur="1" fill="hold">
+                                          <p:stCondLst>
+                                            <p:cond delay="0"/>
+                                          </p:stCondLst>
+                                        </p:cTn>
+                                        <p:tgtEl>
+                                          <p:spTgt spid="213"/>
+                                        </p:tgtEl>
+                                        <p:attrNameLst>
+                                          <p:attrName>style.visibility</p:attrName>
+                                        </p:attrNameLst>
+                                      </p:cBhvr>
+                                      <p:to>
+                                        <p:strVal val="visible"/>
+                                      </p:to>
+                                    </p:set>
+                                    <p:animEffect filter="fade" transition="in">
+                                      <p:cBhvr>
+                                        <p:cTn dur="1000"/>
+                                        <p:tgtEl>
+                                          <p:spTgt spid="213"/>
+                                        </p:tgtEl>
+                                      </p:cBhvr>
+                                    </p:animEffect>
+                                  </p:childTnLst>
+                                </p:cTn>
+                              </p:par>
+                            </p:childTnLst>
+                          </p:cTn>
+                        </p:par>
+                      </p:childTnLst>
+                    </p:cTn>
+                  </p:par>
+                </p:childTnLst>
+              </p:cTn>
+              <p:prevCondLst>
+                <p:cond evt="onPrev">
+                  <p:tgtEl>
+                    <p:sldTgt/>
+                  </p:tgtEl>
+                </p:cond>
+              </p:prevCondLst>
+              <p:nextCondLst>
+                <p:cond evt="onNext">
+                  <p:tgtEl>
+                    <p:sldTgt/>
+                  </p:tgtEl>
+                </p:cond>
+              </p:nextCondLst>
+            </p:seq>
+          </p:childTnLst>
+        </p:cTn>
+      </p:par>
+    </p:tnLst>
+  </p:timing>
+</p:sld>
+</file>
+
 <file path=ppt/slides/slide2.xml><?xml version="1.0" encoding="utf-8"?>
 <p:sld xmlns:a="http://schemas.openxmlformats.org/drawingml/2006/main" xmlns:r="http://schemas.openxmlformats.org/officeDocument/2006/relationships" xmlns:mc="http://schemas.openxmlformats.org/markup-compatibility/2006" xmlns:mv="urn:schemas-microsoft-com:mac:vml" xmlns:p="http://schemas.openxmlformats.org/presentationml/2006/main" xmlns:c="http://schemas.openxmlformats.org/drawingml/2006/chart" xmlns:dgm="http://schemas.openxmlformats.org/drawingml/2006/diagram" xmlns:o="urn:schemas-microsoft-com:office:office" xmlns:v="urn:schemas-microsoft-com:vml" xmlns:pvml="urn:schemas-microsoft-com:office:powerpoint" xmlns:com="http://schemas.openxmlformats.org/drawingml/2006/compatibility" xmlns:p14="http://schemas.microsoft.com/office/powerpoint/2010/main" xmlns:p15="http://schemas.microsoft.com/office/powerpoint/2012/main" xmlns:ahyp="http://schemas.microsoft.com/office/drawing/2018/hyperlinkcolor">
   <p:cSld>
@@ -8638,6 +9671,142 @@
   <p:clrMapOvr>
     <a:masterClrMapping/>
   </p:clrMapOvr>
+  <p:timing>
+    <p:tnLst>
+      <p:par>
+        <p:cTn dur="indefinite" nodeType="tmRoot" restart="never">
+          <p:childTnLst>
+            <p:seq concurrent="1" nextAc="seek">
+              <p:cTn dur="indefinite" id="2" nodeType="mainSeq">
+                <p:childTnLst>
+                  <p:par>
+                    <p:cTn fill="hold">
+                      <p:stCondLst>
+                        <p:cond delay="indefinite"/>
+                      </p:stCondLst>
+                      <p:childTnLst>
+                        <p:par>
+                          <p:cTn fill="hold">
+                            <p:stCondLst>
+                              <p:cond delay="0"/>
+                            </p:stCondLst>
+                            <p:childTnLst>
+                              <p:par>
+                                <p:cTn fill="hold" nodeType="clickEffect" presetClass="entr" presetID="10" presetSubtype="0">
+                                  <p:stCondLst>
+                                    <p:cond delay="0"/>
+                                  </p:stCondLst>
+                                  <p:childTnLst>
+                                    <p:set>
+                                      <p:cBhvr>
+                                        <p:cTn dur="1" fill="hold">
+                                          <p:stCondLst>
+                                            <p:cond delay="0"/>
+                                          </p:stCondLst>
+                                        </p:cTn>
+                                        <p:tgtEl>
+                                          <p:spTgt spid="93"/>
+                                        </p:tgtEl>
+                                        <p:attrNameLst>
+                                          <p:attrName>style.visibility</p:attrName>
+                                        </p:attrNameLst>
+                                      </p:cBhvr>
+                                      <p:to>
+                                        <p:strVal val="visible"/>
+                                      </p:to>
+                                    </p:set>
+                                    <p:animEffect filter="fade" transition="in">
+                                      <p:cBhvr>
+                                        <p:cTn dur="1000"/>
+                                        <p:tgtEl>
+                                          <p:spTgt spid="93"/>
+                                        </p:tgtEl>
+                                      </p:cBhvr>
+                                    </p:animEffect>
+                                  </p:childTnLst>
+                                </p:cTn>
+                              </p:par>
+                            </p:childTnLst>
+                          </p:cTn>
+                        </p:par>
+                      </p:childTnLst>
+                    </p:cTn>
+                  </p:par>
+                  <p:par>
+                    <p:cTn fill="hold">
+                      <p:stCondLst>
+                        <p:cond delay="indefinite"/>
+                      </p:stCondLst>
+                      <p:childTnLst>
+                        <p:par>
+                          <p:cTn fill="hold">
+                            <p:stCondLst>
+                              <p:cond delay="0"/>
+                            </p:stCondLst>
+                            <p:childTnLst>
+                              <p:par>
+                                <p:cTn fill="hold" nodeType="clickEffect" presetClass="entr" presetID="10" presetSubtype="0">
+                                  <p:stCondLst>
+                                    <p:cond delay="0"/>
+                                  </p:stCondLst>
+                                  <p:childTnLst>
+                                    <p:set>
+                                      <p:cBhvr>
+                                        <p:cTn dur="1" fill="hold">
+                                          <p:stCondLst>
+                                            <p:cond delay="0"/>
+                                          </p:stCondLst>
+                                        </p:cTn>
+                                        <p:tgtEl>
+                                          <p:spTgt spid="86"/>
+                                        </p:tgtEl>
+                                        <p:attrNameLst>
+                                          <p:attrName>style.visibility</p:attrName>
+                                        </p:attrNameLst>
+                                      </p:cBhvr>
+                                      <p:to>
+                                        <p:strVal val="visible"/>
+                                      </p:to>
+                                    </p:set>
+                                    <p:animEffect filter="fade" transition="in">
+                                      <p:cBhvr>
+                                        <p:cTn dur="1000"/>
+                                        <p:tgtEl>
+                                          <p:spTgt spid="86"/>
+                                        </p:tgtEl>
+                                      </p:cBhvr>
+                                    </p:animEffect>
+                                  </p:childTnLst>
+                                </p:cTn>
+                              </p:par>
+                            </p:childTnLst>
+                          </p:cTn>
+                        </p:par>
+                      </p:childTnLst>
+                    </p:cTn>
+                  </p:par>
+                </p:childTnLst>
+              </p:cTn>
+              <p:prevCondLst>
+                <p:cond evt="onPrev">
+                  <p:tgtEl>
+                    <p:sldTgt/>
+                  </p:tgtEl>
+                </p:cond>
+              </p:prevCondLst>
+              <p:nextCondLst>
+                <p:cond evt="onNext">
+                  <p:tgtEl>
+                    <p:sldTgt/>
+                  </p:tgtEl>
+                </p:cond>
+              </p:nextCondLst>
+            </p:seq>
+          </p:childTnLst>
+        </p:cTn>
+      </p:par>
+    </p:tnLst>
+  </p:timing>
 </p:sld>
 </file>
 
@@ -9484,6 +10653,195 @@
   <p:clrMapOvr>
     <a:masterClrMapping/>
   </p:clrMapOvr>
+  <p:timing>
+    <p:tnLst>
+      <p:par>
+        <p:cTn dur="indefinite" nodeType="tmRoot" restart="never">
+          <p:childTnLst>
+            <p:seq concurrent="1" nextAc="seek">
+              <p:cTn dur="indefinite" id="2" nodeType="mainSeq">
+                <p:childTnLst>
+                  <p:par>
+                    <p:cTn fill="hold">
+                      <p:stCondLst>
+                        <p:cond delay="indefinite"/>
+                      </p:stCondLst>
+                      <p:childTnLst>
+                        <p:par>
+                          <p:cTn fill="hold">
+                            <p:stCondLst>
+                              <p:cond delay="0"/>
+                            </p:stCondLst>
+                            <p:childTnLst>
+                              <p:par>
+                                <p:cTn fill="hold" nodeType="clickEffect" presetClass="entr" presetID="10" presetSubtype="0">
+                                  <p:stCondLst>
+                                    <p:cond delay="0"/>
+                                  </p:stCondLst>
+                                  <p:childTnLst>
+                                    <p:set>
+                                      <p:cBhvr>
+                                        <p:cTn dur="1" fill="hold">
+                                          <p:stCondLst>
+                                            <p:cond delay="0"/>
+                                          </p:stCondLst>
+                                        </p:cTn>
+                                        <p:tgtEl>
+                                          <p:spTgt spid="105"/>
+                                        </p:tgtEl>
+                                        <p:attrNameLst>
+                                          <p:attrName>style.visibility</p:attrName>
+                                        </p:attrNameLst>
+                                      </p:cBhvr>
+                                      <p:to>
+                                        <p:strVal val="visible"/>
+                                      </p:to>
+                                    </p:set>
+                                    <p:animEffect filter="fade" transition="in">
+                                      <p:cBhvr>
+                                        <p:cTn dur="1000"/>
+                                        <p:tgtEl>
+                                          <p:spTgt spid="105"/>
+                                        </p:tgtEl>
+                                      </p:cBhvr>
+                                    </p:animEffect>
+                                  </p:childTnLst>
+                                </p:cTn>
+                              </p:par>
+                            </p:childTnLst>
+                          </p:cTn>
+                        </p:par>
+                      </p:childTnLst>
+                    </p:cTn>
+                  </p:par>
+                  <p:par>
+                    <p:cTn fill="hold">
+                      <p:stCondLst>
+                        <p:cond delay="indefinite"/>
+                      </p:stCondLst>
+                      <p:childTnLst>
+                        <p:par>
+                          <p:cTn fill="hold">
+                            <p:stCondLst>
+                              <p:cond delay="0"/>
+                            </p:stCondLst>
+                            <p:childTnLst>
+                              <p:par>
+                                <p:cTn fill="hold" nodeType="clickEffect" presetClass="entr" presetID="10" presetSubtype="0">
+                                  <p:stCondLst>
+                                    <p:cond delay="0"/>
+                                  </p:stCondLst>
+                                  <p:childTnLst>
+                                    <p:set>
+                                      <p:cBhvr>
+                                        <p:cTn dur="1" fill="hold">
+                                          <p:stCondLst>
+                                            <p:cond delay="0"/>
+                                          </p:stCondLst>
+                                        </p:cTn>
+                                        <p:tgtEl>
+                                          <p:spTgt spid="106"/>
+                                        </p:tgtEl>
+                                        <p:attrNameLst>
+                                          <p:attrName>style.visibility</p:attrName>
+                                        </p:attrNameLst>
+                                      </p:cBhvr>
+                                      <p:to>
+                                        <p:strVal val="visible"/>
+                                      </p:to>
+                                    </p:set>
+                                    <p:animEffect filter="fade" transition="in">
+                                      <p:cBhvr>
+                                        <p:cTn dur="1000"/>
+                                        <p:tgtEl>
+                                          <p:spTgt spid="106"/>
+                                        </p:tgtEl>
+                                      </p:cBhvr>
+                                    </p:animEffect>
+                                  </p:childTnLst>
+                                </p:cTn>
+                              </p:par>
+                            </p:childTnLst>
+                          </p:cTn>
+                        </p:par>
+                      </p:childTnLst>
+                    </p:cTn>
+                  </p:par>
+                  <p:par>
+                    <p:cTn fill="hold">
+                      <p:stCondLst>
+                        <p:cond delay="indefinite"/>
+                      </p:stCondLst>
+                      <p:childTnLst>
+                        <p:par>
+                          <p:cTn fill="hold">
+                            <p:stCondLst>
+                              <p:cond delay="0"/>
+                            </p:stCondLst>
+                            <p:childTnLst>
+                              <p:par>
+                                <p:cTn fill="hold" nodeType="clickEffect" presetClass="entr" presetID="10" presetSubtype="0">
+                                  <p:stCondLst>
+                                    <p:cond delay="0"/>
+                                  </p:stCondLst>
+                                  <p:childTnLst>
+                                    <p:set>
+                                      <p:cBhvr>
+                                        <p:cTn dur="1" fill="hold">
+                                          <p:stCondLst>
+                                            <p:cond delay="0"/>
+                                          </p:stCondLst>
+                                        </p:cTn>
+                                        <p:tgtEl>
+                                          <p:spTgt spid="98"/>
+                                        </p:tgtEl>
+                                        <p:attrNameLst>
+                                          <p:attrName>style.visibility</p:attrName>
+                                        </p:attrNameLst>
+                                      </p:cBhvr>
+                                      <p:to>
+                                        <p:strVal val="visible"/>
+                                      </p:to>
+                                    </p:set>
+                                    <p:animEffect filter="fade" transition="in">
+                                      <p:cBhvr>
+                                        <p:cTn dur="1000"/>
+                                        <p:tgtEl>
+                                          <p:spTgt spid="98"/>
+                                        </p:tgtEl>
+                                      </p:cBhvr>
+                                    </p:animEffect>
+                                  </p:childTnLst>
+                                </p:cTn>
+                              </p:par>
+                            </p:childTnLst>
+                          </p:cTn>
+                        </p:par>
+                      </p:childTnLst>
+                    </p:cTn>
+                  </p:par>
+                </p:childTnLst>
+              </p:cTn>
+              <p:prevCondLst>
+                <p:cond evt="onPrev">
+                  <p:tgtEl>
+                    <p:sldTgt/>
+                  </p:tgtEl>
+                </p:cond>
+              </p:prevCondLst>
+              <p:nextCondLst>
+                <p:cond evt="onNext">
+                  <p:tgtEl>
+                    <p:sldTgt/>
+                  </p:tgtEl>
+                </p:cond>
+              </p:nextCondLst>
+            </p:seq>
+          </p:childTnLst>
+        </p:cTn>
+      </p:par>
+    </p:tnLst>
+  </p:timing>
 </p:sld>
 </file>
 
@@ -11226,6 +12584,653 @@
   <p:clrMapOvr>
     <a:masterClrMapping/>
   </p:clrMapOvr>
+  <p:timing>
+    <p:tnLst>
+      <p:par>
+        <p:cTn dur="indefinite" nodeType="tmRoot" restart="never">
+          <p:childTnLst>
+            <p:seq concurrent="1" nextAc="seek">
+              <p:cTn dur="indefinite" id="2" nodeType="mainSeq">
+                <p:childTnLst>
+                  <p:par>
+                    <p:cTn fill="hold">
+                      <p:stCondLst>
+                        <p:cond delay="indefinite"/>
+                      </p:stCondLst>
+                      <p:childTnLst>
+                        <p:par>
+                          <p:cTn fill="hold">
+                            <p:stCondLst>
+                              <p:cond delay="0"/>
+                            </p:stCondLst>
+                            <p:childTnLst>
+                              <p:par>
+                                <p:cTn fill="hold" nodeType="clickEffect" presetClass="entr" presetID="10" presetSubtype="0">
+                                  <p:stCondLst>
+                                    <p:cond delay="0"/>
+                                  </p:stCondLst>
+                                  <p:childTnLst>
+                                    <p:set>
+                                      <p:cBhvr>
+                                        <p:cTn dur="1" fill="hold">
+                                          <p:stCondLst>
+                                            <p:cond delay="0"/>
+                                          </p:stCondLst>
+                                        </p:cTn>
+                                        <p:tgtEl>
+                                          <p:spTgt spid="112"/>
+                                        </p:tgtEl>
+                                        <p:attrNameLst>
+                                          <p:attrName>style.visibility</p:attrName>
+                                        </p:attrNameLst>
+                                      </p:cBhvr>
+                                      <p:to>
+                                        <p:strVal val="visible"/>
+                                      </p:to>
+                                    </p:set>
+                                    <p:animEffect filter="fade" transition="in">
+                                      <p:cBhvr>
+                                        <p:cTn dur="1000"/>
+                                        <p:tgtEl>
+                                          <p:spTgt spid="112"/>
+                                        </p:tgtEl>
+                                      </p:cBhvr>
+                                    </p:animEffect>
+                                  </p:childTnLst>
+                                </p:cTn>
+                              </p:par>
+                            </p:childTnLst>
+                          </p:cTn>
+                        </p:par>
+                      </p:childTnLst>
+                    </p:cTn>
+                  </p:par>
+                  <p:par>
+                    <p:cTn fill="hold">
+                      <p:stCondLst>
+                        <p:cond delay="indefinite"/>
+                      </p:stCondLst>
+                      <p:childTnLst>
+                        <p:par>
+                          <p:cTn fill="hold">
+                            <p:stCondLst>
+                              <p:cond delay="0"/>
+                            </p:stCondLst>
+                            <p:childTnLst>
+                              <p:par>
+                                <p:cTn fill="hold" nodeType="clickEffect" presetClass="entr" presetID="10" presetSubtype="0">
+                                  <p:stCondLst>
+                                    <p:cond delay="0"/>
+                                  </p:stCondLst>
+                                  <p:childTnLst>
+                                    <p:set>
+                                      <p:cBhvr>
+                                        <p:cTn dur="1" fill="hold">
+                                          <p:stCondLst>
+                                            <p:cond delay="0"/>
+                                          </p:stCondLst>
+                                        </p:cTn>
+                                        <p:tgtEl>
+                                          <p:spTgt spid="137"/>
+                                        </p:tgtEl>
+                                        <p:attrNameLst>
+                                          <p:attrName>style.visibility</p:attrName>
+                                        </p:attrNameLst>
+                                      </p:cBhvr>
+                                      <p:to>
+                                        <p:strVal val="visible"/>
+                                      </p:to>
+                                    </p:set>
+                                    <p:animEffect filter="fade" transition="in">
+                                      <p:cBhvr>
+                                        <p:cTn dur="1000"/>
+                                        <p:tgtEl>
+                                          <p:spTgt spid="137"/>
+                                        </p:tgtEl>
+                                      </p:cBhvr>
+                                    </p:animEffect>
+                                  </p:childTnLst>
+                                </p:cTn>
+                              </p:par>
+                              <p:par>
+                                <p:cTn fill="hold" nodeType="withEffect" presetClass="entr" presetID="10" presetSubtype="0">
+                                  <p:stCondLst>
+                                    <p:cond delay="0"/>
+                                  </p:stCondLst>
+                                  <p:childTnLst>
+                                    <p:set>
+                                      <p:cBhvr>
+                                        <p:cTn dur="1" fill="hold">
+                                          <p:stCondLst>
+                                            <p:cond delay="0"/>
+                                          </p:stCondLst>
+                                        </p:cTn>
+                                        <p:tgtEl>
+                                          <p:spTgt spid="133"/>
+                                        </p:tgtEl>
+                                        <p:attrNameLst>
+                                          <p:attrName>style.visibility</p:attrName>
+                                        </p:attrNameLst>
+                                      </p:cBhvr>
+                                      <p:to>
+                                        <p:strVal val="visible"/>
+                                      </p:to>
+                                    </p:set>
+                                    <p:animEffect filter="fade" transition="in">
+                                      <p:cBhvr>
+                                        <p:cTn dur="1000"/>
+                                        <p:tgtEl>
+                                          <p:spTgt spid="133"/>
+                                        </p:tgtEl>
+                                      </p:cBhvr>
+                                    </p:animEffect>
+                                  </p:childTnLst>
+                                </p:cTn>
+                              </p:par>
+                            </p:childTnLst>
+                          </p:cTn>
+                        </p:par>
+                      </p:childTnLst>
+                    </p:cTn>
+                  </p:par>
+                  <p:par>
+                    <p:cTn fill="hold">
+                      <p:stCondLst>
+                        <p:cond delay="indefinite"/>
+                      </p:stCondLst>
+                      <p:childTnLst>
+                        <p:par>
+                          <p:cTn fill="hold">
+                            <p:stCondLst>
+                              <p:cond delay="0"/>
+                            </p:stCondLst>
+                            <p:childTnLst>
+                              <p:par>
+                                <p:cTn fill="hold" nodeType="clickEffect" presetClass="entr" presetID="10" presetSubtype="0">
+                                  <p:stCondLst>
+                                    <p:cond delay="0"/>
+                                  </p:stCondLst>
+                                  <p:childTnLst>
+                                    <p:set>
+                                      <p:cBhvr>
+                                        <p:cTn dur="1" fill="hold">
+                                          <p:stCondLst>
+                                            <p:cond delay="0"/>
+                                          </p:stCondLst>
+                                        </p:cTn>
+                                        <p:tgtEl>
+                                          <p:spTgt spid="129"/>
+                                        </p:tgtEl>
+                                        <p:attrNameLst>
+                                          <p:attrName>style.visibility</p:attrName>
+                                        </p:attrNameLst>
+                                      </p:cBhvr>
+                                      <p:to>
+                                        <p:strVal val="visible"/>
+                                      </p:to>
+                                    </p:set>
+                                    <p:animEffect filter="fade" transition="in">
+                                      <p:cBhvr>
+                                        <p:cTn dur="1000"/>
+                                        <p:tgtEl>
+                                          <p:spTgt spid="129"/>
+                                        </p:tgtEl>
+                                      </p:cBhvr>
+                                    </p:animEffect>
+                                  </p:childTnLst>
+                                </p:cTn>
+                              </p:par>
+                            </p:childTnLst>
+                          </p:cTn>
+                        </p:par>
+                      </p:childTnLst>
+                    </p:cTn>
+                  </p:par>
+                  <p:par>
+                    <p:cTn fill="hold">
+                      <p:stCondLst>
+                        <p:cond delay="indefinite"/>
+                      </p:stCondLst>
+                      <p:childTnLst>
+                        <p:par>
+                          <p:cTn fill="hold">
+                            <p:stCondLst>
+                              <p:cond delay="0"/>
+                            </p:stCondLst>
+                            <p:childTnLst>
+                              <p:par>
+                                <p:cTn fill="hold" nodeType="clickEffect" presetClass="entr" presetID="10" presetSubtype="0">
+                                  <p:stCondLst>
+                                    <p:cond delay="0"/>
+                                  </p:stCondLst>
+                                  <p:childTnLst>
+                                    <p:set>
+                                      <p:cBhvr>
+                                        <p:cTn dur="1" fill="hold">
+                                          <p:stCondLst>
+                                            <p:cond delay="0"/>
+                                          </p:stCondLst>
+                                        </p:cTn>
+                                        <p:tgtEl>
+                                          <p:spTgt spid="135"/>
+                                        </p:tgtEl>
+                                        <p:attrNameLst>
+                                          <p:attrName>style.visibility</p:attrName>
+                                        </p:attrNameLst>
+                                      </p:cBhvr>
+                                      <p:to>
+                                        <p:strVal val="visible"/>
+                                      </p:to>
+                                    </p:set>
+                                    <p:animEffect filter="fade" transition="in">
+                                      <p:cBhvr>
+                                        <p:cTn dur="1000"/>
+                                        <p:tgtEl>
+                                          <p:spTgt spid="135"/>
+                                        </p:tgtEl>
+                                      </p:cBhvr>
+                                    </p:animEffect>
+                                  </p:childTnLst>
+                                </p:cTn>
+                              </p:par>
+                              <p:par>
+                                <p:cTn fill="hold" nodeType="withEffect" presetClass="entr" presetID="10" presetSubtype="0">
+                                  <p:stCondLst>
+                                    <p:cond delay="0"/>
+                                  </p:stCondLst>
+                                  <p:childTnLst>
+                                    <p:set>
+                                      <p:cBhvr>
+                                        <p:cTn dur="1" fill="hold">
+                                          <p:stCondLst>
+                                            <p:cond delay="0"/>
+                                          </p:stCondLst>
+                                        </p:cTn>
+                                        <p:tgtEl>
+                                          <p:spTgt spid="138"/>
+                                        </p:tgtEl>
+                                        <p:attrNameLst>
+                                          <p:attrName>style.visibility</p:attrName>
+                                        </p:attrNameLst>
+                                      </p:cBhvr>
+                                      <p:to>
+                                        <p:strVal val="visible"/>
+                                      </p:to>
+                                    </p:set>
+                                    <p:animEffect filter="fade" transition="in">
+                                      <p:cBhvr>
+                                        <p:cTn dur="1000"/>
+                                        <p:tgtEl>
+                                          <p:spTgt spid="138"/>
+                                        </p:tgtEl>
+                                      </p:cBhvr>
+                                    </p:animEffect>
+                                  </p:childTnLst>
+                                </p:cTn>
+                              </p:par>
+                            </p:childTnLst>
+                          </p:cTn>
+                        </p:par>
+                      </p:childTnLst>
+                    </p:cTn>
+                  </p:par>
+                  <p:par>
+                    <p:cTn fill="hold">
+                      <p:stCondLst>
+                        <p:cond delay="indefinite"/>
+                      </p:stCondLst>
+                      <p:childTnLst>
+                        <p:par>
+                          <p:cTn fill="hold">
+                            <p:stCondLst>
+                              <p:cond delay="0"/>
+                            </p:stCondLst>
+                            <p:childTnLst>
+                              <p:par>
+                                <p:cTn fill="hold" nodeType="clickEffect" presetClass="entr" presetID="10" presetSubtype="0">
+                                  <p:stCondLst>
+                                    <p:cond delay="0"/>
+                                  </p:stCondLst>
+                                  <p:childTnLst>
+                                    <p:set>
+                                      <p:cBhvr>
+                                        <p:cTn dur="1" fill="hold">
+                                          <p:stCondLst>
+                                            <p:cond delay="0"/>
+                                          </p:stCondLst>
+                                        </p:cTn>
+                                        <p:tgtEl>
+                                          <p:spTgt spid="126"/>
+                                        </p:tgtEl>
+                                        <p:attrNameLst>
+                                          <p:attrName>style.visibility</p:attrName>
+                                        </p:attrNameLst>
+                                      </p:cBhvr>
+                                      <p:to>
+                                        <p:strVal val="visible"/>
+                                      </p:to>
+                                    </p:set>
+                                    <p:animEffect filter="fade" transition="in">
+                                      <p:cBhvr>
+                                        <p:cTn dur="1000"/>
+                                        <p:tgtEl>
+                                          <p:spTgt spid="126"/>
+                                        </p:tgtEl>
+                                      </p:cBhvr>
+                                    </p:animEffect>
+                                  </p:childTnLst>
+                                </p:cTn>
+                              </p:par>
+                            </p:childTnLst>
+                          </p:cTn>
+                        </p:par>
+                      </p:childTnLst>
+                    </p:cTn>
+                  </p:par>
+                  <p:par>
+                    <p:cTn fill="hold">
+                      <p:stCondLst>
+                        <p:cond delay="indefinite"/>
+                      </p:stCondLst>
+                      <p:childTnLst>
+                        <p:par>
+                          <p:cTn fill="hold">
+                            <p:stCondLst>
+                              <p:cond delay="0"/>
+                            </p:stCondLst>
+                            <p:childTnLst>
+                              <p:par>
+                                <p:cTn fill="hold" nodeType="clickEffect" presetClass="entr" presetID="10" presetSubtype="0">
+                                  <p:stCondLst>
+                                    <p:cond delay="0"/>
+                                  </p:stCondLst>
+                                  <p:childTnLst>
+                                    <p:set>
+                                      <p:cBhvr>
+                                        <p:cTn dur="1" fill="hold">
+                                          <p:stCondLst>
+                                            <p:cond delay="0"/>
+                                          </p:stCondLst>
+                                        </p:cTn>
+                                        <p:tgtEl>
+                                          <p:spTgt spid="134"/>
+                                        </p:tgtEl>
+                                        <p:attrNameLst>
+                                          <p:attrName>style.visibility</p:attrName>
+                                        </p:attrNameLst>
+                                      </p:cBhvr>
+                                      <p:to>
+                                        <p:strVal val="visible"/>
+                                      </p:to>
+                                    </p:set>
+                                    <p:animEffect filter="fade" transition="in">
+                                      <p:cBhvr>
+                                        <p:cTn dur="1000"/>
+                                        <p:tgtEl>
+                                          <p:spTgt spid="134"/>
+                                        </p:tgtEl>
+                                      </p:cBhvr>
+                                    </p:animEffect>
+                                  </p:childTnLst>
+                                </p:cTn>
+                              </p:par>
+                              <p:par>
+                                <p:cTn fill="hold" nodeType="withEffect" presetClass="entr" presetID="10" presetSubtype="0">
+                                  <p:stCondLst>
+                                    <p:cond delay="0"/>
+                                  </p:stCondLst>
+                                  <p:childTnLst>
+                                    <p:set>
+                                      <p:cBhvr>
+                                        <p:cTn dur="1" fill="hold">
+                                          <p:stCondLst>
+                                            <p:cond delay="0"/>
+                                          </p:stCondLst>
+                                        </p:cTn>
+                                        <p:tgtEl>
+                                          <p:spTgt spid="136"/>
+                                        </p:tgtEl>
+                                        <p:attrNameLst>
+                                          <p:attrName>style.visibility</p:attrName>
+                                        </p:attrNameLst>
+                                      </p:cBhvr>
+                                      <p:to>
+                                        <p:strVal val="visible"/>
+                                      </p:to>
+                                    </p:set>
+                                    <p:animEffect filter="fade" transition="in">
+                                      <p:cBhvr>
+                                        <p:cTn dur="1000"/>
+                                        <p:tgtEl>
+                                          <p:spTgt spid="136"/>
+                                        </p:tgtEl>
+                                      </p:cBhvr>
+                                    </p:animEffect>
+                                  </p:childTnLst>
+                                </p:cTn>
+                              </p:par>
+                            </p:childTnLst>
+                          </p:cTn>
+                        </p:par>
+                      </p:childTnLst>
+                    </p:cTn>
+                  </p:par>
+                  <p:par>
+                    <p:cTn fill="hold">
+                      <p:stCondLst>
+                        <p:cond delay="indefinite"/>
+                      </p:stCondLst>
+                      <p:childTnLst>
+                        <p:par>
+                          <p:cTn fill="hold">
+                            <p:stCondLst>
+                              <p:cond delay="0"/>
+                            </p:stCondLst>
+                            <p:childTnLst>
+                              <p:par>
+                                <p:cTn fill="hold" nodeType="clickEffect" presetClass="entr" presetID="10" presetSubtype="0">
+                                  <p:stCondLst>
+                                    <p:cond delay="0"/>
+                                  </p:stCondLst>
+                                  <p:childTnLst>
+                                    <p:set>
+                                      <p:cBhvr>
+                                        <p:cTn dur="1" fill="hold">
+                                          <p:stCondLst>
+                                            <p:cond delay="0"/>
+                                          </p:stCondLst>
+                                        </p:cTn>
+                                        <p:tgtEl>
+                                          <p:spTgt spid="122"/>
+                                        </p:tgtEl>
+                                        <p:attrNameLst>
+                                          <p:attrName>style.visibility</p:attrName>
+                                        </p:attrNameLst>
+                                      </p:cBhvr>
+                                      <p:to>
+                                        <p:strVal val="visible"/>
+                                      </p:to>
+                                    </p:set>
+                                    <p:animEffect filter="fade" transition="in">
+                                      <p:cBhvr>
+                                        <p:cTn dur="1000"/>
+                                        <p:tgtEl>
+                                          <p:spTgt spid="122"/>
+                                        </p:tgtEl>
+                                      </p:cBhvr>
+                                    </p:animEffect>
+                                  </p:childTnLst>
+                                </p:cTn>
+                              </p:par>
+                            </p:childTnLst>
+                          </p:cTn>
+                        </p:par>
+                      </p:childTnLst>
+                    </p:cTn>
+                  </p:par>
+                  <p:par>
+                    <p:cTn fill="hold">
+                      <p:stCondLst>
+                        <p:cond delay="indefinite"/>
+                      </p:stCondLst>
+                      <p:childTnLst>
+                        <p:par>
+                          <p:cTn fill="hold">
+                            <p:stCondLst>
+                              <p:cond delay="0"/>
+                            </p:stCondLst>
+                            <p:childTnLst>
+                              <p:par>
+                                <p:cTn fill="hold" nodeType="clickEffect" presetClass="entr" presetID="10" presetSubtype="0">
+                                  <p:stCondLst>
+                                    <p:cond delay="0"/>
+                                  </p:stCondLst>
+                                  <p:childTnLst>
+                                    <p:set>
+                                      <p:cBhvr>
+                                        <p:cTn dur="1" fill="hold">
+                                          <p:stCondLst>
+                                            <p:cond delay="0"/>
+                                          </p:stCondLst>
+                                        </p:cTn>
+                                        <p:tgtEl>
+                                          <p:spTgt spid="125"/>
+                                        </p:tgtEl>
+                                        <p:attrNameLst>
+                                          <p:attrName>style.visibility</p:attrName>
+                                        </p:attrNameLst>
+                                      </p:cBhvr>
+                                      <p:to>
+                                        <p:strVal val="visible"/>
+                                      </p:to>
+                                    </p:set>
+                                    <p:animEffect filter="fade" transition="in">
+                                      <p:cBhvr>
+                                        <p:cTn dur="1000"/>
+                                        <p:tgtEl>
+                                          <p:spTgt spid="125"/>
+                                        </p:tgtEl>
+                                      </p:cBhvr>
+                                    </p:animEffect>
+                                  </p:childTnLst>
+                                </p:cTn>
+                              </p:par>
+                              <p:par>
+                                <p:cTn fill="hold" nodeType="withEffect" presetClass="entr" presetID="10" presetSubtype="0">
+                                  <p:stCondLst>
+                                    <p:cond delay="0"/>
+                                  </p:stCondLst>
+                                  <p:childTnLst>
+                                    <p:set>
+                                      <p:cBhvr>
+                                        <p:cTn dur="1" fill="hold">
+                                          <p:stCondLst>
+                                            <p:cond delay="0"/>
+                                          </p:stCondLst>
+                                        </p:cTn>
+                                        <p:tgtEl>
+                                          <p:spTgt spid="139"/>
+                                        </p:tgtEl>
+                                        <p:attrNameLst>
+                                          <p:attrName>style.visibility</p:attrName>
+                                        </p:attrNameLst>
+                                      </p:cBhvr>
+                                      <p:to>
+                                        <p:strVal val="visible"/>
+                                      </p:to>
+                                    </p:set>
+                                    <p:animEffect filter="fade" transition="in">
+                                      <p:cBhvr>
+                                        <p:cTn dur="1000"/>
+                                        <p:tgtEl>
+                                          <p:spTgt spid="139"/>
+                                        </p:tgtEl>
+                                      </p:cBhvr>
+                                    </p:animEffect>
+                                  </p:childTnLst>
+                                </p:cTn>
+                              </p:par>
+                            </p:childTnLst>
+                          </p:cTn>
+                        </p:par>
+                      </p:childTnLst>
+                    </p:cTn>
+                  </p:par>
+                  <p:par>
+                    <p:cTn fill="hold">
+                      <p:stCondLst>
+                        <p:cond delay="indefinite"/>
+                      </p:stCondLst>
+                      <p:childTnLst>
+                        <p:par>
+                          <p:cTn fill="hold">
+                            <p:stCondLst>
+                              <p:cond delay="0"/>
+                            </p:stCondLst>
+                            <p:childTnLst>
+                              <p:par>
+                                <p:cTn fill="hold" nodeType="clickEffect" presetClass="entr" presetID="10" presetSubtype="0">
+                                  <p:stCondLst>
+                                    <p:cond delay="0"/>
+                                  </p:stCondLst>
+                                  <p:childTnLst>
+                                    <p:set>
+                                      <p:cBhvr>
+                                        <p:cTn dur="1" fill="hold">
+                                          <p:stCondLst>
+                                            <p:cond delay="0"/>
+                                          </p:stCondLst>
+                                        </p:cTn>
+                                        <p:tgtEl>
+                                          <p:spTgt spid="114"/>
+                                        </p:tgtEl>
+                                        <p:attrNameLst>
+                                          <p:attrName>style.visibility</p:attrName>
+                                        </p:attrNameLst>
+                                      </p:cBhvr>
+                                      <p:to>
+                                        <p:strVal val="visible"/>
+                                      </p:to>
+                                    </p:set>
+                                    <p:animEffect filter="fade" transition="in">
+                                      <p:cBhvr>
+                                        <p:cTn dur="1000"/>
+                                        <p:tgtEl>
+                                          <p:spTgt spid="114"/>
+                                        </p:tgtEl>
+                                      </p:cBhvr>
+                                    </p:animEffect>
+                                  </p:childTnLst>
+                                </p:cTn>
+                              </p:par>
+                            </p:childTnLst>
+                          </p:cTn>
+                        </p:par>
+                      </p:childTnLst>
+                    </p:cTn>
+                  </p:par>
+                </p:childTnLst>
+              </p:cTn>
+              <p:prevCondLst>
+                <p:cond evt="onPrev">
+                  <p:tgtEl>
+                    <p:sldTgt/>
+                  </p:tgtEl>
+                </p:cond>
+              </p:prevCondLst>
+              <p:nextCondLst>
+                <p:cond evt="onNext">
+                  <p:tgtEl>
+                    <p:sldTgt/>
+                  </p:tgtEl>
+                </p:cond>
+              </p:nextCondLst>
+            </p:seq>
+          </p:childTnLst>
+        </p:cTn>
+      </p:par>
+    </p:tnLst>
+  </p:timing>
 </p:sld>
 </file>
 
@@ -11328,7 +13333,7 @@
         </p:nvSpPr>
         <p:spPr>
           <a:xfrm>
-            <a:off x="3470200" y="566931"/>
+            <a:off x="3473225" y="566981"/>
             <a:ext cx="2203500" cy="2203500"/>
           </a:xfrm>
           <a:prstGeom prst="ellipse">
@@ -15007,6 +17012,89 @@
   <p:clrMapOvr>
     <a:masterClrMapping/>
   </p:clrMapOvr>
+  <p:timing>
+    <p:tnLst>
+      <p:par>
+        <p:cTn dur="indefinite" nodeType="tmRoot" restart="never">
+          <p:childTnLst>
+            <p:seq concurrent="1" nextAc="seek">
+              <p:cTn dur="indefinite" id="2" nodeType="mainSeq">
+                <p:childTnLst>
+                  <p:par>
+                    <p:cTn fill="hold">
+                      <p:stCondLst>
+                        <p:cond delay="indefinite"/>
+                      </p:stCondLst>
+                      <p:childTnLst>
+                        <p:par>
+                          <p:cTn fill="hold">
+                            <p:stCondLst>
+                              <p:cond delay="0"/>
+                            </p:stCondLst>
+                            <p:childTnLst>
+                              <p:par>
+                                <p:cTn fill="hold" nodeType="clickEffect" presetClass="entr" presetID="10" presetSubtype="0">
+                                  <p:stCondLst>
+                                    <p:cond delay="0"/>
+                                  </p:stCondLst>
+                                  <p:childTnLst>
+                                    <p:set>
+                                      <p:cBhvr>
+                                        <p:cTn dur="1" fill="hold">
+                                          <p:stCondLst>
+                                            <p:cond delay="0"/>
+                                          </p:stCondLst>
+                                        </p:cTn>
+                                        <p:tgtEl>
+                                          <p:spTgt spid="160"/>
+                                        </p:tgtEl>
+                                        <p:attrNameLst>
+                                          <p:attrName>style.visibility</p:attrName>
+                                        </p:attrNameLst>
+                                      </p:cBhvr>
+                                      <p:to>
+                                        <p:strVal val="visible"/>
+                                      </p:to>
+                                    </p:set>
+                                    <p:animEffect filter="fade" transition="in">
+                                      <p:cBhvr>
+                                        <p:cTn dur="1000"/>
+                                        <p:tgtEl>
+                                          <p:spTgt spid="160"/>
+                                        </p:tgtEl>
+                                      </p:cBhvr>
+                                    </p:animEffect>
+                                  </p:childTnLst>
+                                </p:cTn>
+                              </p:par>
+                            </p:childTnLst>
+                          </p:cTn>
+                        </p:par>
+                      </p:childTnLst>
+                    </p:cTn>
+                  </p:par>
+                </p:childTnLst>
+              </p:cTn>
+              <p:prevCondLst>
+                <p:cond evt="onPrev">
+                  <p:tgtEl>
+                    <p:sldTgt/>
+                  </p:tgtEl>
+                </p:cond>
+              </p:prevCondLst>
+              <p:nextCondLst>
+                <p:cond evt="onNext">
+                  <p:tgtEl>
+                    <p:sldTgt/>
+                  </p:tgtEl>
+                </p:cond>
+              </p:nextCondLst>
+            </p:seq>
+          </p:childTnLst>
+        </p:cTn>
+      </p:par>
+    </p:tnLst>
+  </p:timing>
 </p:sld>
 </file>
 
@@ -15775,6 +17863,142 @@
   <p:clrMapOvr>
     <a:masterClrMapping/>
   </p:clrMapOvr>
+  <p:timing>
+    <p:tnLst>
+      <p:par>
+        <p:cTn dur="indefinite" nodeType="tmRoot" restart="never">
+          <p:childTnLst>
+            <p:seq concurrent="1" nextAc="seek">
+              <p:cTn dur="indefinite" id="2" nodeType="mainSeq">
+                <p:childTnLst>
+                  <p:par>
+                    <p:cTn fill="hold">
+                      <p:stCondLst>
+                        <p:cond delay="indefinite"/>
+                      </p:stCondLst>
+                      <p:childTnLst>
+                        <p:par>
+                          <p:cTn fill="hold">
+                            <p:stCondLst>
+                              <p:cond delay="0"/>
+                            </p:stCondLst>
+                            <p:childTnLst>
+                              <p:par>
+                                <p:cTn fill="hold" nodeType="clickEffect" presetClass="entr" presetID="10" presetSubtype="0">
+                                  <p:stCondLst>
+                                    <p:cond delay="0"/>
+                                  </p:stCondLst>
+                                  <p:childTnLst>
+                                    <p:set>
+                                      <p:cBhvr>
+                                        <p:cTn dur="1" fill="hold">
+                                          <p:stCondLst>
+                                            <p:cond delay="0"/>
+                                          </p:stCondLst>
+                                        </p:cTn>
+                                        <p:tgtEl>
+                                          <p:spTgt spid="166"/>
+                                        </p:tgtEl>
+                                        <p:attrNameLst>
+                                          <p:attrName>style.visibility</p:attrName>
+                                        </p:attrNameLst>
+                                      </p:cBhvr>
+                                      <p:to>
+                                        <p:strVal val="visible"/>
+                                      </p:to>
+                                    </p:set>
+                                    <p:animEffect filter="fade" transition="in">
+                                      <p:cBhvr>
+                                        <p:cTn dur="1000"/>
+                                        <p:tgtEl>
+                                          <p:spTgt spid="166"/>
+                                        </p:tgtEl>
+                                      </p:cBhvr>
+                                    </p:animEffect>
+                                  </p:childTnLst>
+                                </p:cTn>
+                              </p:par>
+                            </p:childTnLst>
+                          </p:cTn>
+                        </p:par>
+                      </p:childTnLst>
+                    </p:cTn>
+                  </p:par>
+                  <p:par>
+                    <p:cTn fill="hold">
+                      <p:stCondLst>
+                        <p:cond delay="indefinite"/>
+                      </p:stCondLst>
+                      <p:childTnLst>
+                        <p:par>
+                          <p:cTn fill="hold">
+                            <p:stCondLst>
+                              <p:cond delay="0"/>
+                            </p:stCondLst>
+                            <p:childTnLst>
+                              <p:par>
+                                <p:cTn fill="hold" nodeType="clickEffect" presetClass="entr" presetID="10" presetSubtype="0">
+                                  <p:stCondLst>
+                                    <p:cond delay="0"/>
+                                  </p:stCondLst>
+                                  <p:childTnLst>
+                                    <p:set>
+                                      <p:cBhvr>
+                                        <p:cTn dur="1" fill="hold">
+                                          <p:stCondLst>
+                                            <p:cond delay="0"/>
+                                          </p:stCondLst>
+                                        </p:cTn>
+                                        <p:tgtEl>
+                                          <p:spTgt spid="173"/>
+                                        </p:tgtEl>
+                                        <p:attrNameLst>
+                                          <p:attrName>style.visibility</p:attrName>
+                                        </p:attrNameLst>
+                                      </p:cBhvr>
+                                      <p:to>
+                                        <p:strVal val="visible"/>
+                                      </p:to>
+                                    </p:set>
+                                    <p:animEffect filter="fade" transition="in">
+                                      <p:cBhvr>
+                                        <p:cTn dur="1000"/>
+                                        <p:tgtEl>
+                                          <p:spTgt spid="173"/>
+                                        </p:tgtEl>
+                                      </p:cBhvr>
+                                    </p:animEffect>
+                                  </p:childTnLst>
+                                </p:cTn>
+                              </p:par>
+                            </p:childTnLst>
+                          </p:cTn>
+                        </p:par>
+                      </p:childTnLst>
+                    </p:cTn>
+                  </p:par>
+                </p:childTnLst>
+              </p:cTn>
+              <p:prevCondLst>
+                <p:cond evt="onPrev">
+                  <p:tgtEl>
+                    <p:sldTgt/>
+                  </p:tgtEl>
+                </p:cond>
+              </p:prevCondLst>
+              <p:nextCondLst>
+                <p:cond evt="onNext">
+                  <p:tgtEl>
+                    <p:sldTgt/>
+                  </p:tgtEl>
+                </p:cond>
+              </p:nextCondLst>
+            </p:seq>
+          </p:childTnLst>
+        </p:cTn>
+      </p:par>
+    </p:tnLst>
+  </p:timing>
 </p:sld>
 </file>
 
@@ -16734,6 +18958,248 @@
   <p:clrMapOvr>
     <a:masterClrMapping/>
   </p:clrMapOvr>
+  <p:timing>
+    <p:tnLst>
+      <p:par>
+        <p:cTn dur="indefinite" nodeType="tmRoot" restart="never">
+          <p:childTnLst>
+            <p:seq concurrent="1" nextAc="seek">
+              <p:cTn dur="indefinite" id="2" nodeType="mainSeq">
+                <p:childTnLst>
+                  <p:par>
+                    <p:cTn fill="hold">
+                      <p:stCondLst>
+                        <p:cond delay="indefinite"/>
+                      </p:stCondLst>
+                      <p:childTnLst>
+                        <p:par>
+                          <p:cTn fill="hold">
+                            <p:stCondLst>
+                              <p:cond delay="0"/>
+                            </p:stCondLst>
+                            <p:childTnLst>
+                              <p:par>
+                                <p:cTn fill="hold" nodeType="clickEffect" presetClass="entr" presetID="10" presetSubtype="0">
+                                  <p:stCondLst>
+                                    <p:cond delay="0"/>
+                                  </p:stCondLst>
+                                  <p:childTnLst>
+                                    <p:set>
+                                      <p:cBhvr>
+                                        <p:cTn dur="1" fill="hold">
+                                          <p:stCondLst>
+                                            <p:cond delay="0"/>
+                                          </p:stCondLst>
+                                        </p:cTn>
+                                        <p:tgtEl>
+                                          <p:spTgt spid="178"/>
+                                        </p:tgtEl>
+                                        <p:attrNameLst>
+                                          <p:attrName>style.visibility</p:attrName>
+                                        </p:attrNameLst>
+                                      </p:cBhvr>
+                                      <p:to>
+                                        <p:strVal val="visible"/>
+                                      </p:to>
+                                    </p:set>
+                                    <p:animEffect filter="fade" transition="in">
+                                      <p:cBhvr>
+                                        <p:cTn dur="1000"/>
+                                        <p:tgtEl>
+                                          <p:spTgt spid="178"/>
+                                        </p:tgtEl>
+                                      </p:cBhvr>
+                                    </p:animEffect>
+                                  </p:childTnLst>
+                                </p:cTn>
+                              </p:par>
+                            </p:childTnLst>
+                          </p:cTn>
+                        </p:par>
+                      </p:childTnLst>
+                    </p:cTn>
+                  </p:par>
+                  <p:par>
+                    <p:cTn fill="hold">
+                      <p:stCondLst>
+                        <p:cond delay="indefinite"/>
+                      </p:stCondLst>
+                      <p:childTnLst>
+                        <p:par>
+                          <p:cTn fill="hold">
+                            <p:stCondLst>
+                              <p:cond delay="0"/>
+                            </p:stCondLst>
+                            <p:childTnLst>
+                              <p:par>
+                                <p:cTn fill="hold" nodeType="clickEffect" presetClass="entr" presetID="10" presetSubtype="0">
+                                  <p:stCondLst>
+                                    <p:cond delay="0"/>
+                                  </p:stCondLst>
+                                  <p:childTnLst>
+                                    <p:set>
+                                      <p:cBhvr>
+                                        <p:cTn dur="1" fill="hold">
+                                          <p:stCondLst>
+                                            <p:cond delay="0"/>
+                                          </p:stCondLst>
+                                        </p:cTn>
+                                        <p:tgtEl>
+                                          <p:spTgt spid="179"/>
+                                        </p:tgtEl>
+                                        <p:attrNameLst>
+                                          <p:attrName>style.visibility</p:attrName>
+                                        </p:attrNameLst>
+                                      </p:cBhvr>
+                                      <p:to>
+                                        <p:strVal val="visible"/>
+                                      </p:to>
+                                    </p:set>
+                                    <p:animEffect filter="fade" transition="in">
+                                      <p:cBhvr>
+                                        <p:cTn dur="1000"/>
+                                        <p:tgtEl>
+                                          <p:spTgt spid="179"/>
+                                        </p:tgtEl>
+                                      </p:cBhvr>
+                                    </p:animEffect>
+                                  </p:childTnLst>
+                                </p:cTn>
+                              </p:par>
+                            </p:childTnLst>
+                          </p:cTn>
+                        </p:par>
+                      </p:childTnLst>
+                    </p:cTn>
+                  </p:par>
+                  <p:par>
+                    <p:cTn fill="hold">
+                      <p:stCondLst>
+                        <p:cond delay="indefinite"/>
+                      </p:stCondLst>
+                      <p:childTnLst>
+                        <p:par>
+                          <p:cTn fill="hold">
+                            <p:stCondLst>
+                              <p:cond delay="0"/>
+                            </p:stCondLst>
+                            <p:childTnLst>
+                              <p:par>
+                                <p:cTn fill="hold" nodeType="clickEffect" presetClass="entr" presetID="10" presetSubtype="0">
+                                  <p:stCondLst>
+                                    <p:cond delay="0"/>
+                                  </p:stCondLst>
+                                  <p:childTnLst>
+                                    <p:set>
+                                      <p:cBhvr>
+                                        <p:cTn dur="1" fill="hold">
+                                          <p:stCondLst>
+                                            <p:cond delay="0"/>
+                                          </p:stCondLst>
+                                        </p:cTn>
+                                        <p:tgtEl>
+                                          <p:spTgt spid="180"/>
+                                        </p:tgtEl>
+                                        <p:attrNameLst>
+                                          <p:attrName>style.visibility</p:attrName>
+                                        </p:attrNameLst>
+                                      </p:cBhvr>
+                                      <p:to>
+                                        <p:strVal val="visible"/>
+                                      </p:to>
+                                    </p:set>
+                                    <p:animEffect filter="fade" transition="in">
+                                      <p:cBhvr>
+                                        <p:cTn dur="1000"/>
+                                        <p:tgtEl>
+                                          <p:spTgt spid="180"/>
+                                        </p:tgtEl>
+                                      </p:cBhvr>
+                                    </p:animEffect>
+                                  </p:childTnLst>
+                                </p:cTn>
+                              </p:par>
+                            </p:childTnLst>
+                          </p:cTn>
+                        </p:par>
+                      </p:childTnLst>
+                    </p:cTn>
+                  </p:par>
+                  <p:par>
+                    <p:cTn fill="hold">
+                      <p:stCondLst>
+                        <p:cond delay="indefinite"/>
+                      </p:stCondLst>
+                      <p:childTnLst>
+                        <p:par>
+                          <p:cTn fill="hold">
+                            <p:stCondLst>
+                              <p:cond delay="0"/>
+                            </p:stCondLst>
+                            <p:childTnLst>
+                              <p:par>
+                                <p:cTn fill="hold" nodeType="clickEffect" presetClass="entr" presetID="10" presetSubtype="0">
+                                  <p:stCondLst>
+                                    <p:cond delay="0"/>
+                                  </p:stCondLst>
+                                  <p:childTnLst>
+                                    <p:set>
+                                      <p:cBhvr>
+                                        <p:cTn dur="1" fill="hold">
+                                          <p:stCondLst>
+                                            <p:cond delay="0"/>
+                                          </p:stCondLst>
+                                        </p:cTn>
+                                        <p:tgtEl>
+                                          <p:spTgt spid="181"/>
+                                        </p:tgtEl>
+                                        <p:attrNameLst>
+                                          <p:attrName>style.visibility</p:attrName>
+                                        </p:attrNameLst>
+                                      </p:cBhvr>
+                                      <p:to>
+                                        <p:strVal val="visible"/>
+                                      </p:to>
+                                    </p:set>
+                                    <p:animEffect filter="fade" transition="in">
+                                      <p:cBhvr>
+                                        <p:cTn dur="1000"/>
+                                        <p:tgtEl>
+                                          <p:spTgt spid="181"/>
+                                        </p:tgtEl>
+                                      </p:cBhvr>
+                                    </p:animEffect>
+                                  </p:childTnLst>
+                                </p:cTn>
+                              </p:par>
+                            </p:childTnLst>
+                          </p:cTn>
+                        </p:par>
+                      </p:childTnLst>
+                    </p:cTn>
+                  </p:par>
+                </p:childTnLst>
+              </p:cTn>
+              <p:prevCondLst>
+                <p:cond evt="onPrev">
+                  <p:tgtEl>
+                    <p:sldTgt/>
+                  </p:tgtEl>
+                </p:cond>
+              </p:prevCondLst>
+              <p:nextCondLst>
+                <p:cond evt="onNext">
+                  <p:tgtEl>
+                    <p:sldTgt/>
+                  </p:tgtEl>
+                </p:cond>
+              </p:nextCondLst>
+            </p:seq>
+          </p:childTnLst>
+        </p:cTn>
+      </p:par>
+    </p:tnLst>
+  </p:timing>
 </p:sld>
 </file>
 
@@ -16764,8 +19230,8 @@
         </p:nvSpPr>
         <p:spPr>
           <a:xfrm>
-            <a:off x="1381250" y="896112"/>
-            <a:ext cx="3878400" cy="435600"/>
+            <a:off x="1390600" y="972625"/>
+            <a:ext cx="3869100" cy="445500"/>
           </a:xfrm>
           <a:prstGeom prst="rect">
             <a:avLst/>
@@ -16777,7 +19243,7 @@
           </a:bodyPr>
           <a:lstStyle/>
           <a:p>
-            <a:pPr indent="0" lvl="0" marL="0" rtl="0" algn="ctr">
+            <a:pPr indent="0" lvl="0" marL="0" rtl="0" algn="l">
               <a:spcBef>
                 <a:spcPts val="0"/>
               </a:spcBef>
@@ -16787,43 +19253,23 @@
               <a:buNone/>
             </a:pPr>
             <a:r>
-              <a:rPr lang="en" sz="2200"/>
-              <a:t>Project Simulation</a:t>
+              <a:rPr lang="en"/>
+              <a:t> F</a:t>
+            </a:r>
+            <a:r>
+              <a:rPr lang="en" sz="2100"/>
+              <a:t>lowchar</a:t>
             </a:r>
             <a:r>
               <a:rPr lang="en"/>
-              <a:t> </a:t>
+              <a:t>t</a:t>
             </a:r>
             <a:endParaRPr/>
           </a:p>
-        </p:txBody>
-      </p:sp>
-      <p:sp>
-        <p:nvSpPr>
-          <p:cNvPr id="193" name="Google Shape;193;p19"/>
-          <p:cNvSpPr txBox="1"/>
-          <p:nvPr>
-            <p:ph idx="1" type="body"/>
-          </p:nvPr>
-        </p:nvSpPr>
-        <p:spPr>
-          <a:xfrm>
-            <a:off x="1381250" y="1616475"/>
-            <a:ext cx="2634000" cy="3112200"/>
-          </a:xfrm>
-          <a:prstGeom prst="rect">
-            <a:avLst/>
-          </a:prstGeom>
-        </p:spPr>
-        <p:txBody>
-          <a:bodyPr anchorCtr="0" anchor="t" bIns="91425" lIns="91425" spcFirstLastPara="1" rIns="91425" wrap="square" tIns="91425">
-            <a:noAutofit/>
-          </a:bodyPr>
-          <a:lstStyle/>
           <a:p>
             <a:pPr indent="0" lvl="0" marL="0" rtl="0" algn="l">
               <a:spcBef>
-                <a:spcPts val="600"/>
+                <a:spcPts val="0"/>
               </a:spcBef>
               <a:spcAft>
                 <a:spcPts val="0"/>
@@ -16831,8 +19277,7 @@
               <a:buNone/>
             </a:pPr>
             <a:r>
-              <a:rPr lang="en"/>
-              <a:t>Show and explain your web, app or software projects using these gadget templates.</a:t>
+              <a:t/>
             </a:r>
             <a:endParaRPr/>
           </a:p>
@@ -16840,7 +19285,7 @@
       </p:sp>
       <p:grpSp>
         <p:nvGrpSpPr>
-          <p:cNvPr id="194" name="Google Shape;194;p19"/>
+          <p:cNvPr id="193" name="Google Shape;193;p19"/>
           <p:cNvGrpSpPr/>
           <p:nvPr/>
         </p:nvGrpSpPr>
@@ -16854,7 +19299,7 @@
         </p:grpSpPr>
         <p:sp>
           <p:nvSpPr>
-            <p:cNvPr id="195" name="Google Shape;195;p19"/>
+            <p:cNvPr id="194" name="Google Shape;194;p19"/>
             <p:cNvSpPr/>
             <p:nvPr/>
           </p:nvSpPr>
@@ -17747,7 +20192,7 @@
         </p:sp>
         <p:sp>
           <p:nvSpPr>
-            <p:cNvPr id="196" name="Google Shape;196;p19"/>
+            <p:cNvPr id="195" name="Google Shape;195;p19"/>
             <p:cNvSpPr/>
             <p:nvPr/>
           </p:nvSpPr>
@@ -18497,7 +20942,7 @@
       </p:grpSp>
       <p:sp>
         <p:nvSpPr>
-          <p:cNvPr id="197" name="Google Shape;197;p19"/>
+          <p:cNvPr id="196" name="Google Shape;196;p19"/>
           <p:cNvSpPr txBox="1"/>
           <p:nvPr>
             <p:ph idx="12" type="sldNum"/>
@@ -18537,7 +20982,7 @@
       </p:sp>
       <p:pic>
         <p:nvPicPr>
-          <p:cNvPr id="198" name="Google Shape;198;p19"/>
+          <p:cNvPr id="197" name="Google Shape;197;p19"/>
           <p:cNvPicPr preferRelativeResize="0"/>
           <p:nvPr/>
         </p:nvPicPr>
@@ -18551,8 +20996,8 @@
         </p:blipFill>
         <p:spPr>
           <a:xfrm>
-            <a:off x="1244450" y="1374199"/>
-            <a:ext cx="7443049" cy="3596750"/>
+            <a:off x="1801950" y="236350"/>
+            <a:ext cx="6099526" cy="4670802"/>
           </a:xfrm>
           <a:prstGeom prst="rect">
             <a:avLst/>
@@ -18568,6 +21013,142 @@
   <p:clrMapOvr>
     <a:masterClrMapping/>
   </p:clrMapOvr>
+  <p:timing>
+    <p:tnLst>
+      <p:par>
+        <p:cTn dur="indefinite" nodeType="tmRoot" restart="never">
+          <p:childTnLst>
+            <p:seq concurrent="1" nextAc="seek">
+              <p:cTn dur="indefinite" id="2" nodeType="mainSeq">
+                <p:childTnLst>
+                  <p:par>
+                    <p:cTn fill="hold">
+                      <p:stCondLst>
+                        <p:cond delay="indefinite"/>
+                      </p:stCondLst>
+                      <p:childTnLst>
+                        <p:par>
+                          <p:cTn fill="hold">
+                            <p:stCondLst>
+                              <p:cond delay="0"/>
+                            </p:stCondLst>
+                            <p:childTnLst>
+                              <p:par>
+                                <p:cTn fill="hold" nodeType="clickEffect" presetClass="entr" presetID="10" presetSubtype="0">
+                                  <p:stCondLst>
+                                    <p:cond delay="0"/>
+                                  </p:stCondLst>
+                                  <p:childTnLst>
+                                    <p:set>
+                                      <p:cBhvr>
+                                        <p:cTn dur="1" fill="hold">
+                                          <p:stCondLst>
+                                            <p:cond delay="0"/>
+                                          </p:stCondLst>
+                                        </p:cTn>
+                                        <p:tgtEl>
+                                          <p:spTgt spid="192"/>
+                                        </p:tgtEl>
+                                        <p:attrNameLst>
+                                          <p:attrName>style.visibility</p:attrName>
+                                        </p:attrNameLst>
+                                      </p:cBhvr>
+                                      <p:to>
+                                        <p:strVal val="visible"/>
+                                      </p:to>
+                                    </p:set>
+                                    <p:animEffect filter="fade" transition="in">
+                                      <p:cBhvr>
+                                        <p:cTn dur="1000"/>
+                                        <p:tgtEl>
+                                          <p:spTgt spid="192"/>
+                                        </p:tgtEl>
+                                      </p:cBhvr>
+                                    </p:animEffect>
+                                  </p:childTnLst>
+                                </p:cTn>
+                              </p:par>
+                            </p:childTnLst>
+                          </p:cTn>
+                        </p:par>
+                      </p:childTnLst>
+                    </p:cTn>
+                  </p:par>
+                  <p:par>
+                    <p:cTn fill="hold">
+                      <p:stCondLst>
+                        <p:cond delay="indefinite"/>
+                      </p:stCondLst>
+                      <p:childTnLst>
+                        <p:par>
+                          <p:cTn fill="hold">
+                            <p:stCondLst>
+                              <p:cond delay="0"/>
+                            </p:stCondLst>
+                            <p:childTnLst>
+                              <p:par>
+                                <p:cTn fill="hold" nodeType="clickEffect" presetClass="entr" presetID="10" presetSubtype="0">
+                                  <p:stCondLst>
+                                    <p:cond delay="0"/>
+                                  </p:stCondLst>
+                                  <p:childTnLst>
+                                    <p:set>
+                                      <p:cBhvr>
+                                        <p:cTn dur="1" fill="hold">
+                                          <p:stCondLst>
+                                            <p:cond delay="0"/>
+                                          </p:stCondLst>
+                                        </p:cTn>
+                                        <p:tgtEl>
+                                          <p:spTgt spid="197"/>
+                                        </p:tgtEl>
+                                        <p:attrNameLst>
+                                          <p:attrName>style.visibility</p:attrName>
+                                        </p:attrNameLst>
+                                      </p:cBhvr>
+                                      <p:to>
+                                        <p:strVal val="visible"/>
+                                      </p:to>
+                                    </p:set>
+                                    <p:animEffect filter="fade" transition="in">
+                                      <p:cBhvr>
+                                        <p:cTn dur="1000"/>
+                                        <p:tgtEl>
+                                          <p:spTgt spid="197"/>
+                                        </p:tgtEl>
+                                      </p:cBhvr>
+                                    </p:animEffect>
+                                  </p:childTnLst>
+                                </p:cTn>
+                              </p:par>
+                            </p:childTnLst>
+                          </p:cTn>
+                        </p:par>
+                      </p:childTnLst>
+                    </p:cTn>
+                  </p:par>
+                </p:childTnLst>
+              </p:cTn>
+              <p:prevCondLst>
+                <p:cond evt="onPrev">
+                  <p:tgtEl>
+                    <p:sldTgt/>
+                  </p:tgtEl>
+                </p:cond>
+              </p:prevCondLst>
+              <p:nextCondLst>
+                <p:cond evt="onNext">
+                  <p:tgtEl>
+                    <p:sldTgt/>
+                  </p:tgtEl>
+                </p:cond>
+              </p:nextCondLst>
+            </p:seq>
+          </p:childTnLst>
+        </p:cTn>
+      </p:par>
+    </p:tnLst>
+  </p:timing>
 </p:sld>
 </file>
 
@@ -18576,7 +21157,7 @@
   <p:cSld>
     <p:spTree>
       <p:nvGrpSpPr>
-        <p:cNvPr id="202" name="Shape 202"/>
+        <p:cNvPr id="201" name="Shape 201"/>
         <p:cNvGrpSpPr/>
         <p:nvPr/>
       </p:nvGrpSpPr>
@@ -18588,44 +21169,18 @@
           <a:chExt cx="0" cy="0"/>
         </a:xfrm>
       </p:grpSpPr>
-      <p:cxnSp>
-        <p:nvCxnSpPr>
-          <p:cNvPr id="203" name="Google Shape;203;p20"/>
-          <p:cNvCxnSpPr/>
-          <p:nvPr/>
-        </p:nvCxnSpPr>
-        <p:spPr>
-          <a:xfrm>
-            <a:off x="6450" y="1428750"/>
-            <a:ext cx="2397300" cy="0"/>
-          </a:xfrm>
-          <a:prstGeom prst="straightConnector1">
-            <a:avLst/>
-          </a:prstGeom>
-          <a:noFill/>
-          <a:ln cap="flat" cmpd="sng" w="9525">
-            <a:solidFill>
-              <a:srgbClr val="CCCCCC"/>
-            </a:solidFill>
-            <a:prstDash val="solid"/>
-            <a:round/>
-            <a:headEnd len="med" w="med" type="none"/>
-            <a:tailEnd len="med" w="med" type="none"/>
-          </a:ln>
-        </p:spPr>
-      </p:cxnSp>
       <p:sp>
         <p:nvSpPr>
-          <p:cNvPr id="204" name="Google Shape;204;p20"/>
+          <p:cNvPr id="202" name="Google Shape;202;p20"/>
           <p:cNvSpPr txBox="1"/>
           <p:nvPr>
-            <p:ph idx="4294967295" type="ctrTitle"/>
+            <p:ph type="title"/>
           </p:nvPr>
         </p:nvSpPr>
         <p:spPr>
           <a:xfrm>
-            <a:off x="2371625" y="816550"/>
-            <a:ext cx="4908000" cy="1159800"/>
+            <a:off x="1381250" y="896112"/>
+            <a:ext cx="3878400" cy="435600"/>
           </a:xfrm>
           <a:prstGeom prst="rect">
             <a:avLst/>
@@ -18637,7 +21192,7 @@
           </a:bodyPr>
           <a:lstStyle/>
           <a:p>
-            <a:pPr indent="0" lvl="0" marL="0" rtl="0" algn="l">
+            <a:pPr indent="0" lvl="0" marL="0" rtl="0" algn="ctr">
               <a:spcBef>
                 <a:spcPts val="0"/>
               </a:spcBef>
@@ -18647,77 +21202,12 @@
               <a:buNone/>
             </a:pPr>
             <a:r>
-              <a:rPr lang="en" sz="6000"/>
-              <a:t>Thanks!</a:t>
+              <a:rPr lang="en" sz="2200"/>
+              <a:t>Project Simulation</a:t>
             </a:r>
-            <a:endParaRPr sz="6000"/>
-          </a:p>
-        </p:txBody>
-      </p:sp>
-      <p:cxnSp>
-        <p:nvCxnSpPr>
-          <p:cNvPr id="205" name="Google Shape;205;p20"/>
-          <p:cNvCxnSpPr/>
-          <p:nvPr/>
-        </p:nvCxnSpPr>
-        <p:spPr>
-          <a:xfrm>
-            <a:off x="5589800" y="1428750"/>
-            <a:ext cx="3554100" cy="0"/>
-          </a:xfrm>
-          <a:prstGeom prst="straightConnector1">
-            <a:avLst/>
-          </a:prstGeom>
-          <a:noFill/>
-          <a:ln cap="flat" cmpd="sng" w="9525">
-            <a:solidFill>
-              <a:srgbClr val="CCCCCC"/>
-            </a:solidFill>
-            <a:prstDash val="solid"/>
-            <a:round/>
-            <a:headEnd len="med" w="med" type="none"/>
-            <a:tailEnd len="med" w="med" type="none"/>
-          </a:ln>
-        </p:spPr>
-      </p:cxnSp>
-      <p:sp>
-        <p:nvSpPr>
-          <p:cNvPr id="206" name="Google Shape;206;p20"/>
-          <p:cNvSpPr/>
-          <p:nvPr/>
-        </p:nvSpPr>
-        <p:spPr>
-          <a:xfrm>
-            <a:off x="831925" y="859175"/>
-            <a:ext cx="1139100" cy="1139100"/>
-          </a:xfrm>
-          <a:prstGeom prst="ellipse">
-            <a:avLst/>
-          </a:prstGeom>
-          <a:solidFill>
-            <a:srgbClr val="FFCD00"/>
-          </a:solidFill>
-          <a:ln>
-            <a:noFill/>
-          </a:ln>
-        </p:spPr>
-        <p:txBody>
-          <a:bodyPr anchorCtr="0" anchor="ctr" bIns="91425" lIns="91425" spcFirstLastPara="1" rIns="91425" wrap="square" tIns="91425">
-            <a:noAutofit/>
-          </a:bodyPr>
-          <a:lstStyle/>
-          <a:p>
-            <a:pPr indent="0" lvl="0" marL="0" rtl="0" algn="l">
-              <a:spcBef>
-                <a:spcPts val="0"/>
-              </a:spcBef>
-              <a:spcAft>
-                <a:spcPts val="0"/>
-              </a:spcAft>
-              <a:buNone/>
-            </a:pPr>
             <a:r>
-              <a:t/>
+              <a:rPr lang="en"/>
+              <a:t> </a:t>
             </a:r>
             <a:endParaRPr/>
           </a:p>
@@ -18725,162 +21215,873 @@
       </p:sp>
       <p:grpSp>
         <p:nvGrpSpPr>
-          <p:cNvPr id="207" name="Google Shape;207;p20"/>
+          <p:cNvPr id="203" name="Google Shape;203;p20"/>
           <p:cNvGrpSpPr/>
           <p:nvPr/>
         </p:nvGrpSpPr>
         <p:grpSpPr>
           <a:xfrm>
-            <a:off x="1148888" y="1190759"/>
-            <a:ext cx="505722" cy="475767"/>
-            <a:chOff x="5972700" y="2330200"/>
-            <a:chExt cx="411625" cy="387275"/>
+            <a:off x="889984" y="1007708"/>
+            <a:ext cx="270226" cy="238344"/>
+            <a:chOff x="5247525" y="3007275"/>
+            <a:chExt cx="517575" cy="456510"/>
           </a:xfrm>
         </p:grpSpPr>
         <p:sp>
           <p:nvSpPr>
-            <p:cNvPr id="208" name="Google Shape;208;p20"/>
+            <p:cNvPr id="204" name="Google Shape;204;p20"/>
             <p:cNvSpPr/>
             <p:nvPr/>
           </p:nvSpPr>
           <p:spPr>
             <a:xfrm>
-              <a:off x="5972700" y="2476950"/>
-              <a:ext cx="98050" cy="219825"/>
+              <a:off x="5247525" y="3007275"/>
+              <a:ext cx="348900" cy="348900"/>
             </a:xfrm>
             <a:custGeom>
               <a:rect b="b" l="l" r="r" t="t"/>
               <a:pathLst>
-                <a:path extrusionOk="0" fill="none" h="8793" w="3922">
+                <a:path extrusionOk="0" fill="none" h="13956" w="13956">
                   <a:moveTo>
-                    <a:pt x="0" y="0"/>
+                    <a:pt x="13323" y="5772"/>
                   </a:moveTo>
                   <a:lnTo>
-                    <a:pt x="0" y="8792"/>
-                  </a:lnTo>
-                  <a:lnTo>
-                    <a:pt x="3921" y="8792"/>
-                  </a:lnTo>
-                  <a:lnTo>
-                    <a:pt x="3921" y="0"/>
-                  </a:lnTo>
-                  <a:lnTo>
-                    <a:pt x="0" y="0"/>
+                    <a:pt x="11861" y="5626"/>
+                  </a:lnTo>
+                  <a:lnTo>
+                    <a:pt x="11861" y="5626"/>
+                  </a:lnTo>
+                  <a:lnTo>
+                    <a:pt x="11788" y="5334"/>
+                  </a:lnTo>
+                  <a:lnTo>
+                    <a:pt x="11667" y="5042"/>
+                  </a:lnTo>
+                  <a:lnTo>
+                    <a:pt x="11545" y="4750"/>
+                  </a:lnTo>
+                  <a:lnTo>
+                    <a:pt x="11399" y="4482"/>
+                  </a:lnTo>
+                  <a:lnTo>
+                    <a:pt x="12300" y="3337"/>
+                  </a:lnTo>
+                  <a:lnTo>
+                    <a:pt x="12300" y="3337"/>
+                  </a:lnTo>
+                  <a:lnTo>
+                    <a:pt x="12373" y="3240"/>
+                  </a:lnTo>
+                  <a:lnTo>
+                    <a:pt x="12422" y="3118"/>
+                  </a:lnTo>
+                  <a:lnTo>
+                    <a:pt x="12446" y="2996"/>
+                  </a:lnTo>
+                  <a:lnTo>
+                    <a:pt x="12446" y="2850"/>
+                  </a:lnTo>
+                  <a:lnTo>
+                    <a:pt x="12422" y="2728"/>
+                  </a:lnTo>
+                  <a:lnTo>
+                    <a:pt x="12397" y="2606"/>
+                  </a:lnTo>
+                  <a:lnTo>
+                    <a:pt x="12324" y="2485"/>
+                  </a:lnTo>
+                  <a:lnTo>
+                    <a:pt x="12251" y="2387"/>
+                  </a:lnTo>
+                  <a:lnTo>
+                    <a:pt x="11569" y="1705"/>
+                  </a:lnTo>
+                  <a:lnTo>
+                    <a:pt x="11569" y="1705"/>
+                  </a:lnTo>
+                  <a:lnTo>
+                    <a:pt x="11472" y="1632"/>
+                  </a:lnTo>
+                  <a:lnTo>
+                    <a:pt x="11350" y="1559"/>
+                  </a:lnTo>
+                  <a:lnTo>
+                    <a:pt x="11228" y="1510"/>
+                  </a:lnTo>
+                  <a:lnTo>
+                    <a:pt x="11106" y="1510"/>
+                  </a:lnTo>
+                  <a:lnTo>
+                    <a:pt x="10960" y="1510"/>
+                  </a:lnTo>
+                  <a:lnTo>
+                    <a:pt x="10838" y="1535"/>
+                  </a:lnTo>
+                  <a:lnTo>
+                    <a:pt x="10717" y="1583"/>
+                  </a:lnTo>
+                  <a:lnTo>
+                    <a:pt x="10619" y="1656"/>
+                  </a:lnTo>
+                  <a:lnTo>
+                    <a:pt x="9475" y="2558"/>
+                  </a:lnTo>
+                  <a:lnTo>
+                    <a:pt x="9475" y="2558"/>
+                  </a:lnTo>
+                  <a:lnTo>
+                    <a:pt x="9207" y="2411"/>
+                  </a:lnTo>
+                  <a:lnTo>
+                    <a:pt x="8914" y="2290"/>
+                  </a:lnTo>
+                  <a:lnTo>
+                    <a:pt x="8622" y="2168"/>
+                  </a:lnTo>
+                  <a:lnTo>
+                    <a:pt x="8330" y="2070"/>
+                  </a:lnTo>
+                  <a:lnTo>
+                    <a:pt x="8159" y="634"/>
+                  </a:lnTo>
+                  <a:lnTo>
+                    <a:pt x="8159" y="634"/>
+                  </a:lnTo>
+                  <a:lnTo>
+                    <a:pt x="8135" y="512"/>
+                  </a:lnTo>
+                  <a:lnTo>
+                    <a:pt x="8086" y="390"/>
+                  </a:lnTo>
+                  <a:lnTo>
+                    <a:pt x="8013" y="293"/>
+                  </a:lnTo>
+                  <a:lnTo>
+                    <a:pt x="7940" y="195"/>
+                  </a:lnTo>
+                  <a:lnTo>
+                    <a:pt x="7818" y="122"/>
+                  </a:lnTo>
+                  <a:lnTo>
+                    <a:pt x="7721" y="49"/>
+                  </a:lnTo>
+                  <a:lnTo>
+                    <a:pt x="7575" y="25"/>
+                  </a:lnTo>
+                  <a:lnTo>
+                    <a:pt x="7453" y="0"/>
+                  </a:lnTo>
+                  <a:lnTo>
+                    <a:pt x="6479" y="0"/>
+                  </a:lnTo>
+                  <a:lnTo>
+                    <a:pt x="6479" y="0"/>
+                  </a:lnTo>
+                  <a:lnTo>
+                    <a:pt x="6357" y="25"/>
+                  </a:lnTo>
+                  <a:lnTo>
+                    <a:pt x="6235" y="49"/>
+                  </a:lnTo>
+                  <a:lnTo>
+                    <a:pt x="6114" y="122"/>
+                  </a:lnTo>
+                  <a:lnTo>
+                    <a:pt x="6016" y="195"/>
+                  </a:lnTo>
+                  <a:lnTo>
+                    <a:pt x="5919" y="293"/>
+                  </a:lnTo>
+                  <a:lnTo>
+                    <a:pt x="5846" y="390"/>
+                  </a:lnTo>
+                  <a:lnTo>
+                    <a:pt x="5797" y="512"/>
+                  </a:lnTo>
+                  <a:lnTo>
+                    <a:pt x="5773" y="634"/>
+                  </a:lnTo>
+                  <a:lnTo>
+                    <a:pt x="5602" y="2070"/>
+                  </a:lnTo>
+                  <a:lnTo>
+                    <a:pt x="5602" y="2070"/>
+                  </a:lnTo>
+                  <a:lnTo>
+                    <a:pt x="5310" y="2168"/>
+                  </a:lnTo>
+                  <a:lnTo>
+                    <a:pt x="5018" y="2290"/>
+                  </a:lnTo>
+                  <a:lnTo>
+                    <a:pt x="4750" y="2411"/>
+                  </a:lnTo>
+                  <a:lnTo>
+                    <a:pt x="4482" y="2558"/>
+                  </a:lnTo>
+                  <a:lnTo>
+                    <a:pt x="3337" y="1656"/>
+                  </a:lnTo>
+                  <a:lnTo>
+                    <a:pt x="3337" y="1656"/>
+                  </a:lnTo>
+                  <a:lnTo>
+                    <a:pt x="3215" y="1583"/>
+                  </a:lnTo>
+                  <a:lnTo>
+                    <a:pt x="3094" y="1535"/>
+                  </a:lnTo>
+                  <a:lnTo>
+                    <a:pt x="2972" y="1510"/>
+                  </a:lnTo>
+                  <a:lnTo>
+                    <a:pt x="2850" y="1510"/>
+                  </a:lnTo>
+                  <a:lnTo>
+                    <a:pt x="2728" y="1510"/>
+                  </a:lnTo>
+                  <a:lnTo>
+                    <a:pt x="2582" y="1559"/>
+                  </a:lnTo>
+                  <a:lnTo>
+                    <a:pt x="2485" y="1632"/>
+                  </a:lnTo>
+                  <a:lnTo>
+                    <a:pt x="2387" y="1705"/>
+                  </a:lnTo>
+                  <a:lnTo>
+                    <a:pt x="1705" y="2387"/>
+                  </a:lnTo>
+                  <a:lnTo>
+                    <a:pt x="1705" y="2387"/>
+                  </a:lnTo>
+                  <a:lnTo>
+                    <a:pt x="1608" y="2485"/>
+                  </a:lnTo>
+                  <a:lnTo>
+                    <a:pt x="1559" y="2606"/>
+                  </a:lnTo>
+                  <a:lnTo>
+                    <a:pt x="1511" y="2728"/>
+                  </a:lnTo>
+                  <a:lnTo>
+                    <a:pt x="1486" y="2850"/>
+                  </a:lnTo>
+                  <a:lnTo>
+                    <a:pt x="1486" y="2996"/>
+                  </a:lnTo>
+                  <a:lnTo>
+                    <a:pt x="1511" y="3118"/>
+                  </a:lnTo>
+                  <a:lnTo>
+                    <a:pt x="1559" y="3240"/>
+                  </a:lnTo>
+                  <a:lnTo>
+                    <a:pt x="1632" y="3337"/>
+                  </a:lnTo>
+                  <a:lnTo>
+                    <a:pt x="2533" y="4482"/>
+                  </a:lnTo>
+                  <a:lnTo>
+                    <a:pt x="2533" y="4482"/>
+                  </a:lnTo>
+                  <a:lnTo>
+                    <a:pt x="2387" y="4750"/>
+                  </a:lnTo>
+                  <a:lnTo>
+                    <a:pt x="2266" y="5042"/>
+                  </a:lnTo>
+                  <a:lnTo>
+                    <a:pt x="2168" y="5334"/>
+                  </a:lnTo>
+                  <a:lnTo>
+                    <a:pt x="2071" y="5626"/>
+                  </a:lnTo>
+                  <a:lnTo>
+                    <a:pt x="634" y="5772"/>
+                  </a:lnTo>
+                  <a:lnTo>
+                    <a:pt x="634" y="5772"/>
+                  </a:lnTo>
+                  <a:lnTo>
+                    <a:pt x="512" y="5821"/>
+                  </a:lnTo>
+                  <a:lnTo>
+                    <a:pt x="390" y="5870"/>
+                  </a:lnTo>
+                  <a:lnTo>
+                    <a:pt x="268" y="5943"/>
+                  </a:lnTo>
+                  <a:lnTo>
+                    <a:pt x="171" y="6016"/>
+                  </a:lnTo>
+                  <a:lnTo>
+                    <a:pt x="98" y="6138"/>
+                  </a:lnTo>
+                  <a:lnTo>
+                    <a:pt x="49" y="6235"/>
+                  </a:lnTo>
+                  <a:lnTo>
+                    <a:pt x="1" y="6381"/>
+                  </a:lnTo>
+                  <a:lnTo>
+                    <a:pt x="1" y="6503"/>
+                  </a:lnTo>
+                  <a:lnTo>
+                    <a:pt x="1" y="7453"/>
+                  </a:lnTo>
+                  <a:lnTo>
+                    <a:pt x="1" y="7453"/>
+                  </a:lnTo>
+                  <a:lnTo>
+                    <a:pt x="1" y="7599"/>
+                  </a:lnTo>
+                  <a:lnTo>
+                    <a:pt x="49" y="7721"/>
+                  </a:lnTo>
+                  <a:lnTo>
+                    <a:pt x="98" y="7843"/>
+                  </a:lnTo>
+                  <a:lnTo>
+                    <a:pt x="171" y="7940"/>
+                  </a:lnTo>
+                  <a:lnTo>
+                    <a:pt x="268" y="8037"/>
+                  </a:lnTo>
+                  <a:lnTo>
+                    <a:pt x="390" y="8111"/>
+                  </a:lnTo>
+                  <a:lnTo>
+                    <a:pt x="512" y="8159"/>
+                  </a:lnTo>
+                  <a:lnTo>
+                    <a:pt x="634" y="8184"/>
+                  </a:lnTo>
+                  <a:lnTo>
+                    <a:pt x="2071" y="8354"/>
+                  </a:lnTo>
+                  <a:lnTo>
+                    <a:pt x="2071" y="8354"/>
+                  </a:lnTo>
+                  <a:lnTo>
+                    <a:pt x="2168" y="8646"/>
+                  </a:lnTo>
+                  <a:lnTo>
+                    <a:pt x="2266" y="8914"/>
+                  </a:lnTo>
+                  <a:lnTo>
+                    <a:pt x="2387" y="9206"/>
+                  </a:lnTo>
+                  <a:lnTo>
+                    <a:pt x="2533" y="9474"/>
+                  </a:lnTo>
+                  <a:lnTo>
+                    <a:pt x="1632" y="10619"/>
+                  </a:lnTo>
+                  <a:lnTo>
+                    <a:pt x="1632" y="10619"/>
+                  </a:lnTo>
+                  <a:lnTo>
+                    <a:pt x="1559" y="10741"/>
+                  </a:lnTo>
+                  <a:lnTo>
+                    <a:pt x="1511" y="10863"/>
+                  </a:lnTo>
+                  <a:lnTo>
+                    <a:pt x="1486" y="10984"/>
+                  </a:lnTo>
+                  <a:lnTo>
+                    <a:pt x="1486" y="11106"/>
+                  </a:lnTo>
+                  <a:lnTo>
+                    <a:pt x="1511" y="11228"/>
+                  </a:lnTo>
+                  <a:lnTo>
+                    <a:pt x="1559" y="11350"/>
+                  </a:lnTo>
+                  <a:lnTo>
+                    <a:pt x="1608" y="11472"/>
+                  </a:lnTo>
+                  <a:lnTo>
+                    <a:pt x="1705" y="11569"/>
+                  </a:lnTo>
+                  <a:lnTo>
+                    <a:pt x="2387" y="12251"/>
+                  </a:lnTo>
+                  <a:lnTo>
+                    <a:pt x="2387" y="12251"/>
+                  </a:lnTo>
+                  <a:lnTo>
+                    <a:pt x="2485" y="12348"/>
+                  </a:lnTo>
+                  <a:lnTo>
+                    <a:pt x="2582" y="12397"/>
+                  </a:lnTo>
+                  <a:lnTo>
+                    <a:pt x="2728" y="12446"/>
+                  </a:lnTo>
+                  <a:lnTo>
+                    <a:pt x="2850" y="12470"/>
+                  </a:lnTo>
+                  <a:lnTo>
+                    <a:pt x="2972" y="12470"/>
+                  </a:lnTo>
+                  <a:lnTo>
+                    <a:pt x="3094" y="12421"/>
+                  </a:lnTo>
+                  <a:lnTo>
+                    <a:pt x="3215" y="12373"/>
+                  </a:lnTo>
+                  <a:lnTo>
+                    <a:pt x="3337" y="12324"/>
+                  </a:lnTo>
+                  <a:lnTo>
+                    <a:pt x="4482" y="11423"/>
+                  </a:lnTo>
+                  <a:lnTo>
+                    <a:pt x="4482" y="11423"/>
+                  </a:lnTo>
+                  <a:lnTo>
+                    <a:pt x="4750" y="11545"/>
+                  </a:lnTo>
+                  <a:lnTo>
+                    <a:pt x="5018" y="11691"/>
+                  </a:lnTo>
+                  <a:lnTo>
+                    <a:pt x="5310" y="11788"/>
+                  </a:lnTo>
+                  <a:lnTo>
+                    <a:pt x="5602" y="11886"/>
+                  </a:lnTo>
+                  <a:lnTo>
+                    <a:pt x="5773" y="13322"/>
+                  </a:lnTo>
+                  <a:lnTo>
+                    <a:pt x="5773" y="13322"/>
+                  </a:lnTo>
+                  <a:lnTo>
+                    <a:pt x="5797" y="13444"/>
+                  </a:lnTo>
+                  <a:lnTo>
+                    <a:pt x="5846" y="13566"/>
+                  </a:lnTo>
+                  <a:lnTo>
+                    <a:pt x="5919" y="13688"/>
+                  </a:lnTo>
+                  <a:lnTo>
+                    <a:pt x="6016" y="13785"/>
+                  </a:lnTo>
+                  <a:lnTo>
+                    <a:pt x="6114" y="13858"/>
+                  </a:lnTo>
+                  <a:lnTo>
+                    <a:pt x="6235" y="13907"/>
+                  </a:lnTo>
+                  <a:lnTo>
+                    <a:pt x="6357" y="13956"/>
+                  </a:lnTo>
+                  <a:lnTo>
+                    <a:pt x="6479" y="13956"/>
+                  </a:lnTo>
+                  <a:lnTo>
+                    <a:pt x="7453" y="13956"/>
+                  </a:lnTo>
+                  <a:lnTo>
+                    <a:pt x="7453" y="13956"/>
+                  </a:lnTo>
+                  <a:lnTo>
+                    <a:pt x="7575" y="13956"/>
+                  </a:lnTo>
+                  <a:lnTo>
+                    <a:pt x="7721" y="13907"/>
+                  </a:lnTo>
+                  <a:lnTo>
+                    <a:pt x="7818" y="13858"/>
+                  </a:lnTo>
+                  <a:lnTo>
+                    <a:pt x="7940" y="13785"/>
+                  </a:lnTo>
+                  <a:lnTo>
+                    <a:pt x="8013" y="13688"/>
+                  </a:lnTo>
+                  <a:lnTo>
+                    <a:pt x="8086" y="13566"/>
+                  </a:lnTo>
+                  <a:lnTo>
+                    <a:pt x="8135" y="13444"/>
+                  </a:lnTo>
+                  <a:lnTo>
+                    <a:pt x="8159" y="13322"/>
+                  </a:lnTo>
+                  <a:lnTo>
+                    <a:pt x="8330" y="11886"/>
+                  </a:lnTo>
+                  <a:lnTo>
+                    <a:pt x="8330" y="11886"/>
+                  </a:lnTo>
+                  <a:lnTo>
+                    <a:pt x="8622" y="11788"/>
+                  </a:lnTo>
+                  <a:lnTo>
+                    <a:pt x="8914" y="11691"/>
+                  </a:lnTo>
+                  <a:lnTo>
+                    <a:pt x="9207" y="11545"/>
+                  </a:lnTo>
+                  <a:lnTo>
+                    <a:pt x="9475" y="11423"/>
+                  </a:lnTo>
+                  <a:lnTo>
+                    <a:pt x="10619" y="12324"/>
+                  </a:lnTo>
+                  <a:lnTo>
+                    <a:pt x="10619" y="12324"/>
+                  </a:lnTo>
+                  <a:lnTo>
+                    <a:pt x="10717" y="12373"/>
+                  </a:lnTo>
+                  <a:lnTo>
+                    <a:pt x="10838" y="12421"/>
+                  </a:lnTo>
+                  <a:lnTo>
+                    <a:pt x="10960" y="12470"/>
+                  </a:lnTo>
+                  <a:lnTo>
+                    <a:pt x="11106" y="12470"/>
+                  </a:lnTo>
+                  <a:lnTo>
+                    <a:pt x="11228" y="12446"/>
+                  </a:lnTo>
+                  <a:lnTo>
+                    <a:pt x="11350" y="12397"/>
+                  </a:lnTo>
+                  <a:lnTo>
+                    <a:pt x="11472" y="12348"/>
+                  </a:lnTo>
+                  <a:lnTo>
+                    <a:pt x="11569" y="12251"/>
+                  </a:lnTo>
+                  <a:lnTo>
+                    <a:pt x="12251" y="11569"/>
+                  </a:lnTo>
+                  <a:lnTo>
+                    <a:pt x="12251" y="11569"/>
+                  </a:lnTo>
+                  <a:lnTo>
+                    <a:pt x="12324" y="11472"/>
+                  </a:lnTo>
+                  <a:lnTo>
+                    <a:pt x="12397" y="11350"/>
+                  </a:lnTo>
+                  <a:lnTo>
+                    <a:pt x="12422" y="11228"/>
+                  </a:lnTo>
+                  <a:lnTo>
+                    <a:pt x="12446" y="11106"/>
+                  </a:lnTo>
+                  <a:lnTo>
+                    <a:pt x="12446" y="10984"/>
+                  </a:lnTo>
+                  <a:lnTo>
+                    <a:pt x="12422" y="10863"/>
+                  </a:lnTo>
+                  <a:lnTo>
+                    <a:pt x="12373" y="10741"/>
+                  </a:lnTo>
+                  <a:lnTo>
+                    <a:pt x="12300" y="10619"/>
+                  </a:lnTo>
+                  <a:lnTo>
+                    <a:pt x="11399" y="9474"/>
+                  </a:lnTo>
+                  <a:lnTo>
+                    <a:pt x="11399" y="9474"/>
+                  </a:lnTo>
+                  <a:lnTo>
+                    <a:pt x="11545" y="9206"/>
+                  </a:lnTo>
+                  <a:lnTo>
+                    <a:pt x="11667" y="8914"/>
+                  </a:lnTo>
+                  <a:lnTo>
+                    <a:pt x="11788" y="8646"/>
+                  </a:lnTo>
+                  <a:lnTo>
+                    <a:pt x="11861" y="8354"/>
+                  </a:lnTo>
+                  <a:lnTo>
+                    <a:pt x="13323" y="8184"/>
+                  </a:lnTo>
+                  <a:lnTo>
+                    <a:pt x="13323" y="8184"/>
+                  </a:lnTo>
+                  <a:lnTo>
+                    <a:pt x="13444" y="8159"/>
+                  </a:lnTo>
+                  <a:lnTo>
+                    <a:pt x="13566" y="8111"/>
+                  </a:lnTo>
+                  <a:lnTo>
+                    <a:pt x="13664" y="8037"/>
+                  </a:lnTo>
+                  <a:lnTo>
+                    <a:pt x="13761" y="7940"/>
+                  </a:lnTo>
+                  <a:lnTo>
+                    <a:pt x="13834" y="7843"/>
+                  </a:lnTo>
+                  <a:lnTo>
+                    <a:pt x="13907" y="7721"/>
+                  </a:lnTo>
+                  <a:lnTo>
+                    <a:pt x="13932" y="7599"/>
+                  </a:lnTo>
+                  <a:lnTo>
+                    <a:pt x="13956" y="7453"/>
+                  </a:lnTo>
+                  <a:lnTo>
+                    <a:pt x="13956" y="6503"/>
+                  </a:lnTo>
+                  <a:lnTo>
+                    <a:pt x="13956" y="6503"/>
+                  </a:lnTo>
+                  <a:lnTo>
+                    <a:pt x="13932" y="6381"/>
+                  </a:lnTo>
+                  <a:lnTo>
+                    <a:pt x="13907" y="6235"/>
+                  </a:lnTo>
+                  <a:lnTo>
+                    <a:pt x="13834" y="6138"/>
+                  </a:lnTo>
+                  <a:lnTo>
+                    <a:pt x="13761" y="6016"/>
+                  </a:lnTo>
+                  <a:lnTo>
+                    <a:pt x="13664" y="5943"/>
+                  </a:lnTo>
+                  <a:lnTo>
+                    <a:pt x="13566" y="5870"/>
+                  </a:lnTo>
+                  <a:lnTo>
+                    <a:pt x="13444" y="5821"/>
+                  </a:lnTo>
+                  <a:lnTo>
+                    <a:pt x="13323" y="5772"/>
+                  </a:lnTo>
+                  <a:lnTo>
+                    <a:pt x="13323" y="5772"/>
                   </a:lnTo>
                   <a:close/>
                   <a:moveTo>
-                    <a:pt x="2411" y="2411"/>
+                    <a:pt x="8573" y="8598"/>
                   </a:moveTo>
                   <a:lnTo>
-                    <a:pt x="2411" y="2411"/>
-                  </a:lnTo>
-                  <a:lnTo>
-                    <a:pt x="2265" y="2387"/>
-                  </a:lnTo>
-                  <a:lnTo>
-                    <a:pt x="2143" y="2363"/>
-                  </a:lnTo>
-                  <a:lnTo>
-                    <a:pt x="2022" y="2290"/>
-                  </a:lnTo>
-                  <a:lnTo>
-                    <a:pt x="1924" y="2216"/>
-                  </a:lnTo>
-                  <a:lnTo>
-                    <a:pt x="1827" y="2095"/>
-                  </a:lnTo>
-                  <a:lnTo>
-                    <a:pt x="1754" y="1973"/>
-                  </a:lnTo>
-                  <a:lnTo>
-                    <a:pt x="1729" y="1851"/>
-                  </a:lnTo>
-                  <a:lnTo>
-                    <a:pt x="1705" y="1705"/>
-                  </a:lnTo>
-                  <a:lnTo>
-                    <a:pt x="1705" y="1705"/>
-                  </a:lnTo>
-                  <a:lnTo>
-                    <a:pt x="1729" y="1559"/>
-                  </a:lnTo>
-                  <a:lnTo>
-                    <a:pt x="1754" y="1437"/>
-                  </a:lnTo>
-                  <a:lnTo>
-                    <a:pt x="1827" y="1315"/>
-                  </a:lnTo>
-                  <a:lnTo>
-                    <a:pt x="1924" y="1218"/>
-                  </a:lnTo>
-                  <a:lnTo>
-                    <a:pt x="2022" y="1120"/>
-                  </a:lnTo>
-                  <a:lnTo>
-                    <a:pt x="2143" y="1072"/>
-                  </a:lnTo>
-                  <a:lnTo>
-                    <a:pt x="2265" y="1023"/>
-                  </a:lnTo>
-                  <a:lnTo>
-                    <a:pt x="2411" y="999"/>
-                  </a:lnTo>
-                  <a:lnTo>
-                    <a:pt x="2411" y="999"/>
-                  </a:lnTo>
-                  <a:lnTo>
-                    <a:pt x="2557" y="1023"/>
-                  </a:lnTo>
-                  <a:lnTo>
-                    <a:pt x="2679" y="1072"/>
-                  </a:lnTo>
-                  <a:lnTo>
-                    <a:pt x="2801" y="1120"/>
-                  </a:lnTo>
-                  <a:lnTo>
-                    <a:pt x="2898" y="1218"/>
-                  </a:lnTo>
-                  <a:lnTo>
-                    <a:pt x="2996" y="1315"/>
-                  </a:lnTo>
-                  <a:lnTo>
-                    <a:pt x="3069" y="1437"/>
-                  </a:lnTo>
-                  <a:lnTo>
-                    <a:pt x="3093" y="1559"/>
-                  </a:lnTo>
-                  <a:lnTo>
-                    <a:pt x="3118" y="1705"/>
-                  </a:lnTo>
-                  <a:lnTo>
-                    <a:pt x="3118" y="1705"/>
-                  </a:lnTo>
-                  <a:lnTo>
-                    <a:pt x="3093" y="1851"/>
-                  </a:lnTo>
-                  <a:lnTo>
-                    <a:pt x="3069" y="1973"/>
-                  </a:lnTo>
-                  <a:lnTo>
-                    <a:pt x="2996" y="2095"/>
-                  </a:lnTo>
-                  <a:lnTo>
-                    <a:pt x="2898" y="2216"/>
-                  </a:lnTo>
-                  <a:lnTo>
-                    <a:pt x="2801" y="2290"/>
-                  </a:lnTo>
-                  <a:lnTo>
-                    <a:pt x="2679" y="2363"/>
-                  </a:lnTo>
-                  <a:lnTo>
-                    <a:pt x="2557" y="2387"/>
-                  </a:lnTo>
-                  <a:lnTo>
-                    <a:pt x="2411" y="2411"/>
-                  </a:lnTo>
-                  <a:lnTo>
-                    <a:pt x="2411" y="2411"/>
+                    <a:pt x="8573" y="8598"/>
+                  </a:lnTo>
+                  <a:lnTo>
+                    <a:pt x="8403" y="8744"/>
+                  </a:lnTo>
+                  <a:lnTo>
+                    <a:pt x="8232" y="8890"/>
+                  </a:lnTo>
+                  <a:lnTo>
+                    <a:pt x="8038" y="8987"/>
+                  </a:lnTo>
+                  <a:lnTo>
+                    <a:pt x="7818" y="9085"/>
+                  </a:lnTo>
+                  <a:lnTo>
+                    <a:pt x="7624" y="9158"/>
+                  </a:lnTo>
+                  <a:lnTo>
+                    <a:pt x="7404" y="9206"/>
+                  </a:lnTo>
+                  <a:lnTo>
+                    <a:pt x="7185" y="9231"/>
+                  </a:lnTo>
+                  <a:lnTo>
+                    <a:pt x="6966" y="9255"/>
+                  </a:lnTo>
+                  <a:lnTo>
+                    <a:pt x="6747" y="9231"/>
+                  </a:lnTo>
+                  <a:lnTo>
+                    <a:pt x="6528" y="9206"/>
+                  </a:lnTo>
+                  <a:lnTo>
+                    <a:pt x="6333" y="9158"/>
+                  </a:lnTo>
+                  <a:lnTo>
+                    <a:pt x="6114" y="9085"/>
+                  </a:lnTo>
+                  <a:lnTo>
+                    <a:pt x="5919" y="8987"/>
+                  </a:lnTo>
+                  <a:lnTo>
+                    <a:pt x="5724" y="8890"/>
+                  </a:lnTo>
+                  <a:lnTo>
+                    <a:pt x="5529" y="8744"/>
+                  </a:lnTo>
+                  <a:lnTo>
+                    <a:pt x="5359" y="8598"/>
+                  </a:lnTo>
+                  <a:lnTo>
+                    <a:pt x="5359" y="8598"/>
+                  </a:lnTo>
+                  <a:lnTo>
+                    <a:pt x="5212" y="8427"/>
+                  </a:lnTo>
+                  <a:lnTo>
+                    <a:pt x="5066" y="8232"/>
+                  </a:lnTo>
+                  <a:lnTo>
+                    <a:pt x="4969" y="8037"/>
+                  </a:lnTo>
+                  <a:lnTo>
+                    <a:pt x="4871" y="7843"/>
+                  </a:lnTo>
+                  <a:lnTo>
+                    <a:pt x="4798" y="7623"/>
+                  </a:lnTo>
+                  <a:lnTo>
+                    <a:pt x="4750" y="7404"/>
+                  </a:lnTo>
+                  <a:lnTo>
+                    <a:pt x="4701" y="7209"/>
+                  </a:lnTo>
+                  <a:lnTo>
+                    <a:pt x="4701" y="6990"/>
+                  </a:lnTo>
+                  <a:lnTo>
+                    <a:pt x="4701" y="6771"/>
+                  </a:lnTo>
+                  <a:lnTo>
+                    <a:pt x="4750" y="6552"/>
+                  </a:lnTo>
+                  <a:lnTo>
+                    <a:pt x="4798" y="6333"/>
+                  </a:lnTo>
+                  <a:lnTo>
+                    <a:pt x="4871" y="6138"/>
+                  </a:lnTo>
+                  <a:lnTo>
+                    <a:pt x="4969" y="5919"/>
+                  </a:lnTo>
+                  <a:lnTo>
+                    <a:pt x="5066" y="5724"/>
+                  </a:lnTo>
+                  <a:lnTo>
+                    <a:pt x="5212" y="5553"/>
+                  </a:lnTo>
+                  <a:lnTo>
+                    <a:pt x="5359" y="5383"/>
+                  </a:lnTo>
+                  <a:lnTo>
+                    <a:pt x="5359" y="5383"/>
+                  </a:lnTo>
+                  <a:lnTo>
+                    <a:pt x="5529" y="5212"/>
+                  </a:lnTo>
+                  <a:lnTo>
+                    <a:pt x="5724" y="5091"/>
+                  </a:lnTo>
+                  <a:lnTo>
+                    <a:pt x="5919" y="4969"/>
+                  </a:lnTo>
+                  <a:lnTo>
+                    <a:pt x="6114" y="4871"/>
+                  </a:lnTo>
+                  <a:lnTo>
+                    <a:pt x="6333" y="4798"/>
+                  </a:lnTo>
+                  <a:lnTo>
+                    <a:pt x="6528" y="4750"/>
+                  </a:lnTo>
+                  <a:lnTo>
+                    <a:pt x="6747" y="4725"/>
+                  </a:lnTo>
+                  <a:lnTo>
+                    <a:pt x="6966" y="4701"/>
+                  </a:lnTo>
+                  <a:lnTo>
+                    <a:pt x="7185" y="4725"/>
+                  </a:lnTo>
+                  <a:lnTo>
+                    <a:pt x="7404" y="4750"/>
+                  </a:lnTo>
+                  <a:lnTo>
+                    <a:pt x="7624" y="4798"/>
+                  </a:lnTo>
+                  <a:lnTo>
+                    <a:pt x="7818" y="4871"/>
+                  </a:lnTo>
+                  <a:lnTo>
+                    <a:pt x="8038" y="4969"/>
+                  </a:lnTo>
+                  <a:lnTo>
+                    <a:pt x="8232" y="5091"/>
+                  </a:lnTo>
+                  <a:lnTo>
+                    <a:pt x="8403" y="5212"/>
+                  </a:lnTo>
+                  <a:lnTo>
+                    <a:pt x="8573" y="5383"/>
+                  </a:lnTo>
+                  <a:lnTo>
+                    <a:pt x="8573" y="5383"/>
+                  </a:lnTo>
+                  <a:lnTo>
+                    <a:pt x="8744" y="5553"/>
+                  </a:lnTo>
+                  <a:lnTo>
+                    <a:pt x="8866" y="5724"/>
+                  </a:lnTo>
+                  <a:lnTo>
+                    <a:pt x="8987" y="5919"/>
+                  </a:lnTo>
+                  <a:lnTo>
+                    <a:pt x="9085" y="6138"/>
+                  </a:lnTo>
+                  <a:lnTo>
+                    <a:pt x="9158" y="6333"/>
+                  </a:lnTo>
+                  <a:lnTo>
+                    <a:pt x="9207" y="6552"/>
+                  </a:lnTo>
+                  <a:lnTo>
+                    <a:pt x="9231" y="6771"/>
+                  </a:lnTo>
+                  <a:lnTo>
+                    <a:pt x="9231" y="6990"/>
+                  </a:lnTo>
+                  <a:lnTo>
+                    <a:pt x="9231" y="7209"/>
+                  </a:lnTo>
+                  <a:lnTo>
+                    <a:pt x="9207" y="7404"/>
+                  </a:lnTo>
+                  <a:lnTo>
+                    <a:pt x="9158" y="7623"/>
+                  </a:lnTo>
+                  <a:lnTo>
+                    <a:pt x="9085" y="7843"/>
+                  </a:lnTo>
+                  <a:lnTo>
+                    <a:pt x="8987" y="8037"/>
+                  </a:lnTo>
+                  <a:lnTo>
+                    <a:pt x="8866" y="8232"/>
+                  </a:lnTo>
+                  <a:lnTo>
+                    <a:pt x="8744" y="8427"/>
+                  </a:lnTo>
+                  <a:lnTo>
+                    <a:pt x="8573" y="8598"/>
+                  </a:lnTo>
+                  <a:lnTo>
+                    <a:pt x="8573" y="8598"/>
                   </a:lnTo>
                   <a:close/>
                 </a:path>
@@ -18921,421 +22122,717 @@
         </p:sp>
         <p:sp>
           <p:nvSpPr>
-            <p:cNvPr id="209" name="Google Shape;209;p20"/>
+            <p:cNvPr id="205" name="Google Shape;205;p20"/>
             <p:cNvSpPr/>
             <p:nvPr/>
           </p:nvSpPr>
           <p:spPr>
             <a:xfrm>
-              <a:off x="6078025" y="2330200"/>
-              <a:ext cx="306300" cy="387275"/>
+              <a:off x="5566575" y="3265260"/>
+              <a:ext cx="198525" cy="198525"/>
             </a:xfrm>
             <a:custGeom>
               <a:rect b="b" l="l" r="r" t="t"/>
               <a:pathLst>
-                <a:path extrusionOk="0" fill="none" h="15491" w="12252">
+                <a:path extrusionOk="0" fill="none" h="7941" w="7941">
                   <a:moveTo>
-                    <a:pt x="1" y="13396"/>
+                    <a:pt x="7258" y="2144"/>
                   </a:moveTo>
                   <a:lnTo>
-                    <a:pt x="1511" y="13396"/>
-                  </a:lnTo>
-                  <a:lnTo>
-                    <a:pt x="1511" y="13396"/>
-                  </a:lnTo>
-                  <a:lnTo>
-                    <a:pt x="1998" y="13639"/>
-                  </a:lnTo>
-                  <a:lnTo>
-                    <a:pt x="2680" y="13932"/>
-                  </a:lnTo>
-                  <a:lnTo>
-                    <a:pt x="3556" y="14273"/>
-                  </a:lnTo>
-                  <a:lnTo>
-                    <a:pt x="4531" y="14638"/>
-                  </a:lnTo>
-                  <a:lnTo>
-                    <a:pt x="5578" y="14955"/>
-                  </a:lnTo>
-                  <a:lnTo>
-                    <a:pt x="6114" y="15101"/>
-                  </a:lnTo>
-                  <a:lnTo>
-                    <a:pt x="6650" y="15222"/>
-                  </a:lnTo>
-                  <a:lnTo>
-                    <a:pt x="7161" y="15344"/>
-                  </a:lnTo>
-                  <a:lnTo>
-                    <a:pt x="7672" y="15417"/>
-                  </a:lnTo>
-                  <a:lnTo>
-                    <a:pt x="8135" y="15466"/>
-                  </a:lnTo>
-                  <a:lnTo>
-                    <a:pt x="8598" y="15490"/>
-                  </a:lnTo>
-                  <a:lnTo>
-                    <a:pt x="8598" y="15490"/>
-                  </a:lnTo>
-                  <a:lnTo>
-                    <a:pt x="9377" y="15490"/>
-                  </a:lnTo>
-                  <a:lnTo>
-                    <a:pt x="9791" y="15466"/>
-                  </a:lnTo>
-                  <a:lnTo>
-                    <a:pt x="10181" y="15417"/>
-                  </a:lnTo>
-                  <a:lnTo>
-                    <a:pt x="10522" y="15320"/>
-                  </a:lnTo>
-                  <a:lnTo>
-                    <a:pt x="10692" y="15271"/>
-                  </a:lnTo>
-                  <a:lnTo>
-                    <a:pt x="10814" y="15222"/>
-                  </a:lnTo>
-                  <a:lnTo>
-                    <a:pt x="10936" y="15149"/>
-                  </a:lnTo>
-                  <a:lnTo>
-                    <a:pt x="11033" y="15052"/>
-                  </a:lnTo>
-                  <a:lnTo>
-                    <a:pt x="11082" y="14955"/>
-                  </a:lnTo>
-                  <a:lnTo>
-                    <a:pt x="11131" y="14833"/>
-                  </a:lnTo>
-                  <a:lnTo>
-                    <a:pt x="11204" y="14126"/>
-                  </a:lnTo>
-                  <a:lnTo>
-                    <a:pt x="11204" y="14126"/>
-                  </a:lnTo>
-                  <a:lnTo>
-                    <a:pt x="11180" y="13956"/>
-                  </a:lnTo>
-                  <a:lnTo>
-                    <a:pt x="11131" y="13810"/>
-                  </a:lnTo>
-                  <a:lnTo>
-                    <a:pt x="11033" y="13664"/>
-                  </a:lnTo>
-                  <a:lnTo>
-                    <a:pt x="10887" y="13542"/>
-                  </a:lnTo>
-                  <a:lnTo>
-                    <a:pt x="10887" y="13542"/>
-                  </a:lnTo>
-                  <a:lnTo>
-                    <a:pt x="11009" y="13518"/>
-                  </a:lnTo>
-                  <a:lnTo>
-                    <a:pt x="11131" y="13469"/>
-                  </a:lnTo>
-                  <a:lnTo>
-                    <a:pt x="11253" y="13420"/>
-                  </a:lnTo>
-                  <a:lnTo>
-                    <a:pt x="11350" y="13323"/>
-                  </a:lnTo>
-                  <a:lnTo>
-                    <a:pt x="11423" y="13225"/>
-                  </a:lnTo>
-                  <a:lnTo>
-                    <a:pt x="11496" y="13104"/>
-                  </a:lnTo>
-                  <a:lnTo>
-                    <a:pt x="11545" y="12957"/>
-                  </a:lnTo>
-                  <a:lnTo>
-                    <a:pt x="11569" y="12836"/>
-                  </a:lnTo>
-                  <a:lnTo>
-                    <a:pt x="11642" y="11959"/>
-                  </a:lnTo>
-                  <a:lnTo>
-                    <a:pt x="11642" y="11959"/>
-                  </a:lnTo>
-                  <a:lnTo>
-                    <a:pt x="11642" y="11837"/>
-                  </a:lnTo>
-                  <a:lnTo>
-                    <a:pt x="11642" y="11740"/>
-                  </a:lnTo>
-                  <a:lnTo>
-                    <a:pt x="11618" y="11618"/>
-                  </a:lnTo>
-                  <a:lnTo>
-                    <a:pt x="11569" y="11521"/>
-                  </a:lnTo>
-                  <a:lnTo>
-                    <a:pt x="11447" y="11350"/>
-                  </a:lnTo>
-                  <a:lnTo>
-                    <a:pt x="11374" y="11277"/>
-                  </a:lnTo>
-                  <a:lnTo>
-                    <a:pt x="11301" y="11204"/>
-                  </a:lnTo>
-                  <a:lnTo>
-                    <a:pt x="11301" y="11204"/>
-                  </a:lnTo>
-                  <a:lnTo>
-                    <a:pt x="11423" y="11180"/>
-                  </a:lnTo>
-                  <a:lnTo>
-                    <a:pt x="11521" y="11131"/>
-                  </a:lnTo>
-                  <a:lnTo>
-                    <a:pt x="11618" y="11058"/>
-                  </a:lnTo>
-                  <a:lnTo>
-                    <a:pt x="11715" y="10960"/>
-                  </a:lnTo>
-                  <a:lnTo>
-                    <a:pt x="11788" y="10863"/>
-                  </a:lnTo>
-                  <a:lnTo>
-                    <a:pt x="11837" y="10766"/>
-                  </a:lnTo>
-                  <a:lnTo>
-                    <a:pt x="11886" y="10644"/>
-                  </a:lnTo>
-                  <a:lnTo>
-                    <a:pt x="11910" y="10498"/>
-                  </a:lnTo>
-                  <a:lnTo>
-                    <a:pt x="11983" y="9645"/>
-                  </a:lnTo>
-                  <a:lnTo>
-                    <a:pt x="11983" y="9645"/>
-                  </a:lnTo>
-                  <a:lnTo>
-                    <a:pt x="11983" y="9523"/>
-                  </a:lnTo>
-                  <a:lnTo>
-                    <a:pt x="11983" y="9402"/>
-                  </a:lnTo>
-                  <a:lnTo>
-                    <a:pt x="11959" y="9280"/>
-                  </a:lnTo>
-                  <a:lnTo>
-                    <a:pt x="11910" y="9182"/>
-                  </a:lnTo>
-                  <a:lnTo>
-                    <a:pt x="11861" y="9085"/>
-                  </a:lnTo>
-                  <a:lnTo>
-                    <a:pt x="11788" y="9012"/>
-                  </a:lnTo>
-                  <a:lnTo>
-                    <a:pt x="11715" y="8939"/>
-                  </a:lnTo>
-                  <a:lnTo>
-                    <a:pt x="11618" y="8866"/>
-                  </a:lnTo>
-                  <a:lnTo>
-                    <a:pt x="11618" y="8866"/>
-                  </a:lnTo>
-                  <a:lnTo>
-                    <a:pt x="11715" y="8841"/>
-                  </a:lnTo>
-                  <a:lnTo>
-                    <a:pt x="11813" y="8768"/>
-                  </a:lnTo>
-                  <a:lnTo>
-                    <a:pt x="11910" y="8695"/>
-                  </a:lnTo>
-                  <a:lnTo>
-                    <a:pt x="11983" y="8622"/>
-                  </a:lnTo>
-                  <a:lnTo>
-                    <a:pt x="12056" y="8525"/>
-                  </a:lnTo>
-                  <a:lnTo>
-                    <a:pt x="12105" y="8427"/>
-                  </a:lnTo>
-                  <a:lnTo>
-                    <a:pt x="12129" y="8306"/>
-                  </a:lnTo>
-                  <a:lnTo>
-                    <a:pt x="12154" y="8184"/>
-                  </a:lnTo>
-                  <a:lnTo>
-                    <a:pt x="12251" y="7307"/>
-                  </a:lnTo>
-                  <a:lnTo>
-                    <a:pt x="12251" y="7307"/>
-                  </a:lnTo>
-                  <a:lnTo>
-                    <a:pt x="12227" y="7185"/>
-                  </a:lnTo>
-                  <a:lnTo>
-                    <a:pt x="12202" y="7064"/>
-                  </a:lnTo>
-                  <a:lnTo>
-                    <a:pt x="12154" y="6966"/>
-                  </a:lnTo>
-                  <a:lnTo>
-                    <a:pt x="12105" y="6869"/>
-                  </a:lnTo>
-                  <a:lnTo>
-                    <a:pt x="12032" y="6771"/>
-                  </a:lnTo>
-                  <a:lnTo>
-                    <a:pt x="11935" y="6698"/>
-                  </a:lnTo>
-                  <a:lnTo>
-                    <a:pt x="11715" y="6552"/>
-                  </a:lnTo>
-                  <a:lnTo>
-                    <a:pt x="11472" y="6430"/>
-                  </a:lnTo>
-                  <a:lnTo>
-                    <a:pt x="11180" y="6333"/>
-                  </a:lnTo>
-                  <a:lnTo>
-                    <a:pt x="10863" y="6260"/>
-                  </a:lnTo>
-                  <a:lnTo>
-                    <a:pt x="10546" y="6211"/>
-                  </a:lnTo>
-                  <a:lnTo>
-                    <a:pt x="10546" y="6211"/>
-                  </a:lnTo>
-                  <a:lnTo>
-                    <a:pt x="9864" y="6114"/>
-                  </a:lnTo>
-                  <a:lnTo>
-                    <a:pt x="8817" y="6016"/>
-                  </a:lnTo>
-                  <a:lnTo>
-                    <a:pt x="7575" y="5943"/>
-                  </a:lnTo>
-                  <a:lnTo>
-                    <a:pt x="6309" y="5870"/>
-                  </a:lnTo>
-                  <a:lnTo>
-                    <a:pt x="6309" y="5870"/>
-                  </a:lnTo>
-                  <a:lnTo>
-                    <a:pt x="6479" y="5578"/>
-                  </a:lnTo>
-                  <a:lnTo>
-                    <a:pt x="6625" y="5237"/>
-                  </a:lnTo>
-                  <a:lnTo>
-                    <a:pt x="6771" y="4872"/>
-                  </a:lnTo>
-                  <a:lnTo>
-                    <a:pt x="6869" y="4482"/>
-                  </a:lnTo>
-                  <a:lnTo>
-                    <a:pt x="6966" y="4092"/>
-                  </a:lnTo>
-                  <a:lnTo>
-                    <a:pt x="7064" y="3678"/>
-                  </a:lnTo>
-                  <a:lnTo>
-                    <a:pt x="7161" y="2875"/>
-                  </a:lnTo>
-                  <a:lnTo>
-                    <a:pt x="7234" y="2144"/>
-                  </a:lnTo>
-                  <a:lnTo>
-                    <a:pt x="7283" y="1535"/>
-                  </a:lnTo>
-                  <a:lnTo>
-                    <a:pt x="7283" y="975"/>
-                  </a:lnTo>
-                  <a:lnTo>
-                    <a:pt x="7283" y="975"/>
-                  </a:lnTo>
-                  <a:lnTo>
-                    <a:pt x="7283" y="804"/>
-                  </a:lnTo>
-                  <a:lnTo>
-                    <a:pt x="7210" y="609"/>
-                  </a:lnTo>
-                  <a:lnTo>
-                    <a:pt x="7137" y="463"/>
-                  </a:lnTo>
-                  <a:lnTo>
-                    <a:pt x="7015" y="317"/>
-                  </a:lnTo>
-                  <a:lnTo>
-                    <a:pt x="6869" y="171"/>
-                  </a:lnTo>
-                  <a:lnTo>
-                    <a:pt x="6698" y="98"/>
-                  </a:lnTo>
-                  <a:lnTo>
-                    <a:pt x="6503" y="25"/>
-                  </a:lnTo>
-                  <a:lnTo>
-                    <a:pt x="6309" y="1"/>
-                  </a:lnTo>
-                  <a:lnTo>
-                    <a:pt x="6309" y="1"/>
-                  </a:lnTo>
-                  <a:lnTo>
-                    <a:pt x="5943" y="25"/>
-                  </a:lnTo>
-                  <a:lnTo>
-                    <a:pt x="5700" y="74"/>
-                  </a:lnTo>
-                  <a:lnTo>
-                    <a:pt x="5505" y="147"/>
-                  </a:lnTo>
-                  <a:lnTo>
-                    <a:pt x="5359" y="220"/>
-                  </a:lnTo>
-                  <a:lnTo>
-                    <a:pt x="5359" y="220"/>
-                  </a:lnTo>
-                  <a:lnTo>
-                    <a:pt x="4969" y="1462"/>
-                  </a:lnTo>
-                  <a:lnTo>
-                    <a:pt x="4774" y="2022"/>
-                  </a:lnTo>
-                  <a:lnTo>
-                    <a:pt x="4579" y="2534"/>
-                  </a:lnTo>
-                  <a:lnTo>
-                    <a:pt x="4385" y="2996"/>
-                  </a:lnTo>
-                  <a:lnTo>
-                    <a:pt x="4190" y="3386"/>
-                  </a:lnTo>
-                  <a:lnTo>
-                    <a:pt x="4019" y="3678"/>
-                  </a:lnTo>
-                  <a:lnTo>
-                    <a:pt x="3873" y="3922"/>
-                  </a:lnTo>
-                  <a:lnTo>
-                    <a:pt x="3873" y="3922"/>
-                  </a:lnTo>
-                  <a:lnTo>
-                    <a:pt x="3654" y="4141"/>
-                  </a:lnTo>
-                  <a:lnTo>
-                    <a:pt x="3313" y="4482"/>
-                  </a:lnTo>
-                  <a:lnTo>
-                    <a:pt x="2509" y="5237"/>
-                  </a:lnTo>
-                  <a:lnTo>
-                    <a:pt x="1438" y="6211"/>
-                  </a:lnTo>
-                  <a:lnTo>
-                    <a:pt x="1" y="6211"/>
-                  </a:lnTo>
+                    <a:pt x="6138" y="2388"/>
+                  </a:lnTo>
+                  <a:lnTo>
+                    <a:pt x="6138" y="2388"/>
+                  </a:lnTo>
+                  <a:lnTo>
+                    <a:pt x="6016" y="2217"/>
+                  </a:lnTo>
+                  <a:lnTo>
+                    <a:pt x="5870" y="2071"/>
+                  </a:lnTo>
+                  <a:lnTo>
+                    <a:pt x="6260" y="975"/>
+                  </a:lnTo>
+                  <a:lnTo>
+                    <a:pt x="6260" y="975"/>
+                  </a:lnTo>
+                  <a:lnTo>
+                    <a:pt x="6284" y="902"/>
+                  </a:lnTo>
+                  <a:lnTo>
+                    <a:pt x="6284" y="829"/>
+                  </a:lnTo>
+                  <a:lnTo>
+                    <a:pt x="6260" y="683"/>
+                  </a:lnTo>
+                  <a:lnTo>
+                    <a:pt x="6162" y="561"/>
+                  </a:lnTo>
+                  <a:lnTo>
+                    <a:pt x="6114" y="488"/>
+                  </a:lnTo>
+                  <a:lnTo>
+                    <a:pt x="6065" y="464"/>
+                  </a:lnTo>
+                  <a:lnTo>
+                    <a:pt x="5553" y="196"/>
+                  </a:lnTo>
+                  <a:lnTo>
+                    <a:pt x="5553" y="196"/>
+                  </a:lnTo>
+                  <a:lnTo>
+                    <a:pt x="5480" y="171"/>
+                  </a:lnTo>
+                  <a:lnTo>
+                    <a:pt x="5407" y="171"/>
+                  </a:lnTo>
+                  <a:lnTo>
+                    <a:pt x="5261" y="171"/>
+                  </a:lnTo>
+                  <a:lnTo>
+                    <a:pt x="5115" y="244"/>
+                  </a:lnTo>
+                  <a:lnTo>
+                    <a:pt x="5066" y="293"/>
+                  </a:lnTo>
+                  <a:lnTo>
+                    <a:pt x="5018" y="342"/>
+                  </a:lnTo>
+                  <a:lnTo>
+                    <a:pt x="4384" y="1316"/>
+                  </a:lnTo>
+                  <a:lnTo>
+                    <a:pt x="4384" y="1316"/>
+                  </a:lnTo>
+                  <a:lnTo>
+                    <a:pt x="4165" y="1292"/>
+                  </a:lnTo>
+                  <a:lnTo>
+                    <a:pt x="3970" y="1292"/>
+                  </a:lnTo>
+                  <a:lnTo>
+                    <a:pt x="3483" y="244"/>
+                  </a:lnTo>
+                  <a:lnTo>
+                    <a:pt x="3483" y="244"/>
+                  </a:lnTo>
+                  <a:lnTo>
+                    <a:pt x="3435" y="171"/>
+                  </a:lnTo>
+                  <a:lnTo>
+                    <a:pt x="3386" y="123"/>
+                  </a:lnTo>
+                  <a:lnTo>
+                    <a:pt x="3264" y="50"/>
+                  </a:lnTo>
+                  <a:lnTo>
+                    <a:pt x="3118" y="1"/>
+                  </a:lnTo>
+                  <a:lnTo>
+                    <a:pt x="3045" y="1"/>
+                  </a:lnTo>
+                  <a:lnTo>
+                    <a:pt x="2972" y="25"/>
+                  </a:lnTo>
+                  <a:lnTo>
+                    <a:pt x="2436" y="196"/>
+                  </a:lnTo>
+                  <a:lnTo>
+                    <a:pt x="2436" y="196"/>
+                  </a:lnTo>
+                  <a:lnTo>
+                    <a:pt x="2363" y="220"/>
+                  </a:lnTo>
+                  <a:lnTo>
+                    <a:pt x="2290" y="269"/>
+                  </a:lnTo>
+                  <a:lnTo>
+                    <a:pt x="2192" y="391"/>
+                  </a:lnTo>
+                  <a:lnTo>
+                    <a:pt x="2144" y="537"/>
+                  </a:lnTo>
+                  <a:lnTo>
+                    <a:pt x="2144" y="610"/>
+                  </a:lnTo>
+                  <a:lnTo>
+                    <a:pt x="2144" y="683"/>
+                  </a:lnTo>
+                  <a:lnTo>
+                    <a:pt x="2387" y="1828"/>
+                  </a:lnTo>
+                  <a:lnTo>
+                    <a:pt x="2387" y="1828"/>
+                  </a:lnTo>
+                  <a:lnTo>
+                    <a:pt x="2217" y="1949"/>
+                  </a:lnTo>
+                  <a:lnTo>
+                    <a:pt x="2071" y="2095"/>
+                  </a:lnTo>
+                  <a:lnTo>
+                    <a:pt x="999" y="1681"/>
+                  </a:lnTo>
+                  <a:lnTo>
+                    <a:pt x="999" y="1681"/>
+                  </a:lnTo>
+                  <a:lnTo>
+                    <a:pt x="926" y="1681"/>
+                  </a:lnTo>
+                  <a:lnTo>
+                    <a:pt x="829" y="1657"/>
+                  </a:lnTo>
+                  <a:lnTo>
+                    <a:pt x="682" y="1706"/>
+                  </a:lnTo>
+                  <a:lnTo>
+                    <a:pt x="561" y="1779"/>
+                  </a:lnTo>
+                  <a:lnTo>
+                    <a:pt x="512" y="1828"/>
+                  </a:lnTo>
+                  <a:lnTo>
+                    <a:pt x="463" y="1901"/>
+                  </a:lnTo>
+                  <a:lnTo>
+                    <a:pt x="220" y="2388"/>
+                  </a:lnTo>
+                  <a:lnTo>
+                    <a:pt x="220" y="2388"/>
+                  </a:lnTo>
+                  <a:lnTo>
+                    <a:pt x="195" y="2461"/>
+                  </a:lnTo>
+                  <a:lnTo>
+                    <a:pt x="171" y="2534"/>
+                  </a:lnTo>
+                  <a:lnTo>
+                    <a:pt x="195" y="2704"/>
+                  </a:lnTo>
+                  <a:lnTo>
+                    <a:pt x="244" y="2826"/>
+                  </a:lnTo>
+                  <a:lnTo>
+                    <a:pt x="293" y="2899"/>
+                  </a:lnTo>
+                  <a:lnTo>
+                    <a:pt x="366" y="2948"/>
+                  </a:lnTo>
+                  <a:lnTo>
+                    <a:pt x="1340" y="3581"/>
+                  </a:lnTo>
+                  <a:lnTo>
+                    <a:pt x="1340" y="3581"/>
+                  </a:lnTo>
+                  <a:lnTo>
+                    <a:pt x="1316" y="3776"/>
+                  </a:lnTo>
+                  <a:lnTo>
+                    <a:pt x="1291" y="3995"/>
+                  </a:lnTo>
+                  <a:lnTo>
+                    <a:pt x="244" y="4482"/>
+                  </a:lnTo>
+                  <a:lnTo>
+                    <a:pt x="244" y="4482"/>
+                  </a:lnTo>
+                  <a:lnTo>
+                    <a:pt x="195" y="4507"/>
+                  </a:lnTo>
+                  <a:lnTo>
+                    <a:pt x="122" y="4555"/>
+                  </a:lnTo>
+                  <a:lnTo>
+                    <a:pt x="49" y="4701"/>
+                  </a:lnTo>
+                  <a:lnTo>
+                    <a:pt x="0" y="4848"/>
+                  </a:lnTo>
+                  <a:lnTo>
+                    <a:pt x="25" y="4921"/>
+                  </a:lnTo>
+                  <a:lnTo>
+                    <a:pt x="25" y="4994"/>
+                  </a:lnTo>
+                  <a:lnTo>
+                    <a:pt x="220" y="5530"/>
+                  </a:lnTo>
+                  <a:lnTo>
+                    <a:pt x="220" y="5530"/>
+                  </a:lnTo>
+                  <a:lnTo>
+                    <a:pt x="244" y="5578"/>
+                  </a:lnTo>
+                  <a:lnTo>
+                    <a:pt x="293" y="5651"/>
+                  </a:lnTo>
+                  <a:lnTo>
+                    <a:pt x="390" y="5749"/>
+                  </a:lnTo>
+                  <a:lnTo>
+                    <a:pt x="536" y="5797"/>
+                  </a:lnTo>
+                  <a:lnTo>
+                    <a:pt x="609" y="5797"/>
+                  </a:lnTo>
+                  <a:lnTo>
+                    <a:pt x="682" y="5797"/>
+                  </a:lnTo>
+                  <a:lnTo>
+                    <a:pt x="1827" y="5554"/>
+                  </a:lnTo>
+                  <a:lnTo>
+                    <a:pt x="1827" y="5554"/>
+                  </a:lnTo>
+                  <a:lnTo>
+                    <a:pt x="1949" y="5724"/>
+                  </a:lnTo>
+                  <a:lnTo>
+                    <a:pt x="2095" y="5870"/>
+                  </a:lnTo>
+                  <a:lnTo>
+                    <a:pt x="1705" y="6966"/>
+                  </a:lnTo>
+                  <a:lnTo>
+                    <a:pt x="1705" y="6966"/>
+                  </a:lnTo>
+                  <a:lnTo>
+                    <a:pt x="1681" y="7040"/>
+                  </a:lnTo>
+                  <a:lnTo>
+                    <a:pt x="1681" y="7113"/>
+                  </a:lnTo>
+                  <a:lnTo>
+                    <a:pt x="1705" y="7259"/>
+                  </a:lnTo>
+                  <a:lnTo>
+                    <a:pt x="1778" y="7380"/>
+                  </a:lnTo>
+                  <a:lnTo>
+                    <a:pt x="1851" y="7429"/>
+                  </a:lnTo>
+                  <a:lnTo>
+                    <a:pt x="1900" y="7478"/>
+                  </a:lnTo>
+                  <a:lnTo>
+                    <a:pt x="2412" y="7721"/>
+                  </a:lnTo>
+                  <a:lnTo>
+                    <a:pt x="2412" y="7721"/>
+                  </a:lnTo>
+                  <a:lnTo>
+                    <a:pt x="2485" y="7770"/>
+                  </a:lnTo>
+                  <a:lnTo>
+                    <a:pt x="2558" y="7770"/>
+                  </a:lnTo>
+                  <a:lnTo>
+                    <a:pt x="2704" y="7770"/>
+                  </a:lnTo>
+                  <a:lnTo>
+                    <a:pt x="2850" y="7697"/>
+                  </a:lnTo>
+                  <a:lnTo>
+                    <a:pt x="2899" y="7648"/>
+                  </a:lnTo>
+                  <a:lnTo>
+                    <a:pt x="2947" y="7600"/>
+                  </a:lnTo>
+                  <a:lnTo>
+                    <a:pt x="3581" y="6625"/>
+                  </a:lnTo>
+                  <a:lnTo>
+                    <a:pt x="3581" y="6625"/>
+                  </a:lnTo>
+                  <a:lnTo>
+                    <a:pt x="3800" y="6650"/>
+                  </a:lnTo>
+                  <a:lnTo>
+                    <a:pt x="3995" y="6650"/>
+                  </a:lnTo>
+                  <a:lnTo>
+                    <a:pt x="4482" y="7697"/>
+                  </a:lnTo>
+                  <a:lnTo>
+                    <a:pt x="4482" y="7697"/>
+                  </a:lnTo>
+                  <a:lnTo>
+                    <a:pt x="4531" y="7770"/>
+                  </a:lnTo>
+                  <a:lnTo>
+                    <a:pt x="4579" y="7819"/>
+                  </a:lnTo>
+                  <a:lnTo>
+                    <a:pt x="4701" y="7892"/>
+                  </a:lnTo>
+                  <a:lnTo>
+                    <a:pt x="4847" y="7941"/>
+                  </a:lnTo>
+                  <a:lnTo>
+                    <a:pt x="4920" y="7941"/>
+                  </a:lnTo>
+                  <a:lnTo>
+                    <a:pt x="4993" y="7916"/>
+                  </a:lnTo>
+                  <a:lnTo>
+                    <a:pt x="5529" y="7746"/>
+                  </a:lnTo>
+                  <a:lnTo>
+                    <a:pt x="5529" y="7746"/>
+                  </a:lnTo>
+                  <a:lnTo>
+                    <a:pt x="5602" y="7721"/>
+                  </a:lnTo>
+                  <a:lnTo>
+                    <a:pt x="5651" y="7673"/>
+                  </a:lnTo>
+                  <a:lnTo>
+                    <a:pt x="5748" y="7551"/>
+                  </a:lnTo>
+                  <a:lnTo>
+                    <a:pt x="5821" y="7405"/>
+                  </a:lnTo>
+                  <a:lnTo>
+                    <a:pt x="5821" y="7332"/>
+                  </a:lnTo>
+                  <a:lnTo>
+                    <a:pt x="5821" y="7259"/>
+                  </a:lnTo>
+                  <a:lnTo>
+                    <a:pt x="5578" y="6114"/>
+                  </a:lnTo>
+                  <a:lnTo>
+                    <a:pt x="5578" y="6114"/>
+                  </a:lnTo>
+                  <a:lnTo>
+                    <a:pt x="5724" y="5992"/>
+                  </a:lnTo>
+                  <a:lnTo>
+                    <a:pt x="5894" y="5846"/>
+                  </a:lnTo>
+                  <a:lnTo>
+                    <a:pt x="6966" y="6260"/>
+                  </a:lnTo>
+                  <a:lnTo>
+                    <a:pt x="6966" y="6260"/>
+                  </a:lnTo>
+                  <a:lnTo>
+                    <a:pt x="7039" y="6260"/>
+                  </a:lnTo>
+                  <a:lnTo>
+                    <a:pt x="7112" y="6285"/>
+                  </a:lnTo>
+                  <a:lnTo>
+                    <a:pt x="7258" y="6236"/>
+                  </a:lnTo>
+                  <a:lnTo>
+                    <a:pt x="7404" y="6163"/>
+                  </a:lnTo>
+                  <a:lnTo>
+                    <a:pt x="7453" y="6114"/>
+                  </a:lnTo>
+                  <a:lnTo>
+                    <a:pt x="7502" y="6041"/>
+                  </a:lnTo>
+                  <a:lnTo>
+                    <a:pt x="7745" y="5530"/>
+                  </a:lnTo>
+                  <a:lnTo>
+                    <a:pt x="7745" y="5530"/>
+                  </a:lnTo>
+                  <a:lnTo>
+                    <a:pt x="7770" y="5481"/>
+                  </a:lnTo>
+                  <a:lnTo>
+                    <a:pt x="7794" y="5383"/>
+                  </a:lnTo>
+                  <a:lnTo>
+                    <a:pt x="7770" y="5237"/>
+                  </a:lnTo>
+                  <a:lnTo>
+                    <a:pt x="7697" y="5115"/>
+                  </a:lnTo>
+                  <a:lnTo>
+                    <a:pt x="7648" y="5042"/>
+                  </a:lnTo>
+                  <a:lnTo>
+                    <a:pt x="7599" y="4994"/>
+                  </a:lnTo>
+                  <a:lnTo>
+                    <a:pt x="6625" y="4360"/>
+                  </a:lnTo>
+                  <a:lnTo>
+                    <a:pt x="6625" y="4360"/>
+                  </a:lnTo>
+                  <a:lnTo>
+                    <a:pt x="6649" y="4166"/>
+                  </a:lnTo>
+                  <a:lnTo>
+                    <a:pt x="6649" y="3946"/>
+                  </a:lnTo>
+                  <a:lnTo>
+                    <a:pt x="7697" y="3459"/>
+                  </a:lnTo>
+                  <a:lnTo>
+                    <a:pt x="7697" y="3459"/>
+                  </a:lnTo>
+                  <a:lnTo>
+                    <a:pt x="7770" y="3435"/>
+                  </a:lnTo>
+                  <a:lnTo>
+                    <a:pt x="7843" y="3386"/>
+                  </a:lnTo>
+                  <a:lnTo>
+                    <a:pt x="7916" y="3240"/>
+                  </a:lnTo>
+                  <a:lnTo>
+                    <a:pt x="7940" y="3094"/>
+                  </a:lnTo>
+                  <a:lnTo>
+                    <a:pt x="7940" y="3021"/>
+                  </a:lnTo>
+                  <a:lnTo>
+                    <a:pt x="7940" y="2948"/>
+                  </a:lnTo>
+                  <a:lnTo>
+                    <a:pt x="7745" y="2412"/>
+                  </a:lnTo>
+                  <a:lnTo>
+                    <a:pt x="7745" y="2412"/>
+                  </a:lnTo>
+                  <a:lnTo>
+                    <a:pt x="7721" y="2339"/>
+                  </a:lnTo>
+                  <a:lnTo>
+                    <a:pt x="7672" y="2290"/>
+                  </a:lnTo>
+                  <a:lnTo>
+                    <a:pt x="7551" y="2193"/>
+                  </a:lnTo>
+                  <a:lnTo>
+                    <a:pt x="7429" y="2144"/>
+                  </a:lnTo>
+                  <a:lnTo>
+                    <a:pt x="7356" y="2144"/>
+                  </a:lnTo>
+                  <a:lnTo>
+                    <a:pt x="7258" y="2144"/>
+                  </a:lnTo>
+                  <a:lnTo>
+                    <a:pt x="7258" y="2144"/>
+                  </a:lnTo>
+                  <a:close/>
+                  <a:moveTo>
+                    <a:pt x="5480" y="4726"/>
+                  </a:moveTo>
+                  <a:lnTo>
+                    <a:pt x="5480" y="4726"/>
+                  </a:lnTo>
+                  <a:lnTo>
+                    <a:pt x="5383" y="4872"/>
+                  </a:lnTo>
+                  <a:lnTo>
+                    <a:pt x="5286" y="4994"/>
+                  </a:lnTo>
+                  <a:lnTo>
+                    <a:pt x="5188" y="5140"/>
+                  </a:lnTo>
+                  <a:lnTo>
+                    <a:pt x="5066" y="5237"/>
+                  </a:lnTo>
+                  <a:lnTo>
+                    <a:pt x="4945" y="5335"/>
+                  </a:lnTo>
+                  <a:lnTo>
+                    <a:pt x="4798" y="5432"/>
+                  </a:lnTo>
+                  <a:lnTo>
+                    <a:pt x="4652" y="5505"/>
+                  </a:lnTo>
+                  <a:lnTo>
+                    <a:pt x="4506" y="5554"/>
+                  </a:lnTo>
+                  <a:lnTo>
+                    <a:pt x="4360" y="5603"/>
+                  </a:lnTo>
+                  <a:lnTo>
+                    <a:pt x="4190" y="5627"/>
+                  </a:lnTo>
+                  <a:lnTo>
+                    <a:pt x="4043" y="5651"/>
+                  </a:lnTo>
+                  <a:lnTo>
+                    <a:pt x="3873" y="5627"/>
+                  </a:lnTo>
+                  <a:lnTo>
+                    <a:pt x="3702" y="5627"/>
+                  </a:lnTo>
+                  <a:lnTo>
+                    <a:pt x="3556" y="5578"/>
+                  </a:lnTo>
+                  <a:lnTo>
+                    <a:pt x="3386" y="5530"/>
+                  </a:lnTo>
+                  <a:lnTo>
+                    <a:pt x="3240" y="5456"/>
+                  </a:lnTo>
+                  <a:lnTo>
+                    <a:pt x="3240" y="5456"/>
+                  </a:lnTo>
+                  <a:lnTo>
+                    <a:pt x="3094" y="5383"/>
+                  </a:lnTo>
+                  <a:lnTo>
+                    <a:pt x="2947" y="5286"/>
+                  </a:lnTo>
+                  <a:lnTo>
+                    <a:pt x="2826" y="5164"/>
+                  </a:lnTo>
+                  <a:lnTo>
+                    <a:pt x="2704" y="5067"/>
+                  </a:lnTo>
+                  <a:lnTo>
+                    <a:pt x="2606" y="4921"/>
+                  </a:lnTo>
+                  <a:lnTo>
+                    <a:pt x="2533" y="4799"/>
+                  </a:lnTo>
+                  <a:lnTo>
+                    <a:pt x="2460" y="4653"/>
+                  </a:lnTo>
+                  <a:lnTo>
+                    <a:pt x="2387" y="4507"/>
+                  </a:lnTo>
+                  <a:lnTo>
+                    <a:pt x="2363" y="4336"/>
+                  </a:lnTo>
+                  <a:lnTo>
+                    <a:pt x="2314" y="4190"/>
+                  </a:lnTo>
+                  <a:lnTo>
+                    <a:pt x="2314" y="4020"/>
+                  </a:lnTo>
+                  <a:lnTo>
+                    <a:pt x="2314" y="3873"/>
+                  </a:lnTo>
+                  <a:lnTo>
+                    <a:pt x="2339" y="3703"/>
+                  </a:lnTo>
+                  <a:lnTo>
+                    <a:pt x="2363" y="3532"/>
+                  </a:lnTo>
+                  <a:lnTo>
+                    <a:pt x="2412" y="3386"/>
+                  </a:lnTo>
+                  <a:lnTo>
+                    <a:pt x="2485" y="3216"/>
+                  </a:lnTo>
+                  <a:lnTo>
+                    <a:pt x="2485" y="3216"/>
+                  </a:lnTo>
+                  <a:lnTo>
+                    <a:pt x="2582" y="3070"/>
+                  </a:lnTo>
+                  <a:lnTo>
+                    <a:pt x="2680" y="2948"/>
+                  </a:lnTo>
+                  <a:lnTo>
+                    <a:pt x="2777" y="2802"/>
+                  </a:lnTo>
+                  <a:lnTo>
+                    <a:pt x="2899" y="2704"/>
+                  </a:lnTo>
+                  <a:lnTo>
+                    <a:pt x="3020" y="2607"/>
+                  </a:lnTo>
+                  <a:lnTo>
+                    <a:pt x="3167" y="2509"/>
+                  </a:lnTo>
+                  <a:lnTo>
+                    <a:pt x="3313" y="2436"/>
+                  </a:lnTo>
+                  <a:lnTo>
+                    <a:pt x="3459" y="2388"/>
+                  </a:lnTo>
+                  <a:lnTo>
+                    <a:pt x="3605" y="2339"/>
+                  </a:lnTo>
+                  <a:lnTo>
+                    <a:pt x="3775" y="2315"/>
+                  </a:lnTo>
+                  <a:lnTo>
+                    <a:pt x="3922" y="2290"/>
+                  </a:lnTo>
+                  <a:lnTo>
+                    <a:pt x="4092" y="2315"/>
+                  </a:lnTo>
+                  <a:lnTo>
+                    <a:pt x="4263" y="2315"/>
+                  </a:lnTo>
+                  <a:lnTo>
+                    <a:pt x="4409" y="2363"/>
+                  </a:lnTo>
+                  <a:lnTo>
+                    <a:pt x="4579" y="2412"/>
+                  </a:lnTo>
+                  <a:lnTo>
+                    <a:pt x="4725" y="2485"/>
+                  </a:lnTo>
+                  <a:lnTo>
+                    <a:pt x="4725" y="2485"/>
+                  </a:lnTo>
+                  <a:lnTo>
+                    <a:pt x="4871" y="2558"/>
+                  </a:lnTo>
+                  <a:lnTo>
+                    <a:pt x="5018" y="2656"/>
+                  </a:lnTo>
+                  <a:lnTo>
+                    <a:pt x="5139" y="2777"/>
+                  </a:lnTo>
+                  <a:lnTo>
+                    <a:pt x="5261" y="2875"/>
+                  </a:lnTo>
+                  <a:lnTo>
+                    <a:pt x="5359" y="3021"/>
+                  </a:lnTo>
+                  <a:lnTo>
+                    <a:pt x="5432" y="3143"/>
+                  </a:lnTo>
+                  <a:lnTo>
+                    <a:pt x="5505" y="3289"/>
+                  </a:lnTo>
+                  <a:lnTo>
+                    <a:pt x="5578" y="3435"/>
+                  </a:lnTo>
+                  <a:lnTo>
+                    <a:pt x="5602" y="3605"/>
+                  </a:lnTo>
+                  <a:lnTo>
+                    <a:pt x="5626" y="3752"/>
+                  </a:lnTo>
+                  <a:lnTo>
+                    <a:pt x="5651" y="3922"/>
+                  </a:lnTo>
+                  <a:lnTo>
+                    <a:pt x="5651" y="4068"/>
+                  </a:lnTo>
+                  <a:lnTo>
+                    <a:pt x="5626" y="4239"/>
+                  </a:lnTo>
+                  <a:lnTo>
+                    <a:pt x="5602" y="4409"/>
+                  </a:lnTo>
+                  <a:lnTo>
+                    <a:pt x="5553" y="4555"/>
+                  </a:lnTo>
+                  <a:lnTo>
+                    <a:pt x="5480" y="4726"/>
+                  </a:lnTo>
+                  <a:lnTo>
+                    <a:pt x="5480" y="4726"/>
+                  </a:lnTo>
+                  <a:close/>
                 </a:path>
               </a:pathLst>
             </a:custGeom>
@@ -19375,7 +22872,7 @@
       </p:grpSp>
       <p:sp>
         <p:nvSpPr>
-          <p:cNvPr id="210" name="Google Shape;210;p20"/>
+          <p:cNvPr id="206" name="Google Shape;206;p20"/>
           <p:cNvSpPr txBox="1"/>
           <p:nvPr>
             <p:ph idx="12" type="sldNum"/>
@@ -19413,11 +22910,175 @@
           </a:p>
         </p:txBody>
       </p:sp>
+      <p:pic>
+        <p:nvPicPr>
+          <p:cNvPr id="207" name="Google Shape;207;p20"/>
+          <p:cNvPicPr preferRelativeResize="0"/>
+          <p:nvPr/>
+        </p:nvPicPr>
+        <p:blipFill>
+          <a:blip r:embed="rId3">
+            <a:alphaModFix/>
+          </a:blip>
+          <a:stretch>
+            <a:fillRect/>
+          </a:stretch>
+        </p:blipFill>
+        <p:spPr>
+          <a:xfrm>
+            <a:off x="1100175" y="1398624"/>
+            <a:ext cx="7443049" cy="3596750"/>
+          </a:xfrm>
+          <a:prstGeom prst="rect">
+            <a:avLst/>
+          </a:prstGeom>
+          <a:noFill/>
+          <a:ln>
+            <a:noFill/>
+          </a:ln>
+        </p:spPr>
+      </p:pic>
     </p:spTree>
   </p:cSld>
   <p:clrMapOvr>
     <a:masterClrMapping/>
   </p:clrMapOvr>
+  <p:timing>
+    <p:tnLst>
+      <p:par>
+        <p:cTn dur="indefinite" nodeType="tmRoot" restart="never">
+          <p:childTnLst>
+            <p:seq concurrent="1" nextAc="seek">
+              <p:cTn dur="indefinite" id="2" nodeType="mainSeq">
+                <p:childTnLst>
+                  <p:par>
+                    <p:cTn fill="hold">
+                      <p:stCondLst>
+                        <p:cond delay="indefinite"/>
+                      </p:stCondLst>
+                      <p:childTnLst>
+                        <p:par>
+                          <p:cTn fill="hold">
+                            <p:stCondLst>
+                              <p:cond delay="0"/>
+                            </p:stCondLst>
+                            <p:childTnLst>
+                              <p:par>
+                                <p:cTn fill="hold" nodeType="clickEffect" presetClass="entr" presetID="10" presetSubtype="0">
+                                  <p:stCondLst>
+                                    <p:cond delay="0"/>
+                                  </p:stCondLst>
+                                  <p:childTnLst>
+                                    <p:set>
+                                      <p:cBhvr>
+                                        <p:cTn dur="1" fill="hold">
+                                          <p:stCondLst>
+                                            <p:cond delay="0"/>
+                                          </p:stCondLst>
+                                        </p:cTn>
+                                        <p:tgtEl>
+                                          <p:spTgt spid="202"/>
+                                        </p:tgtEl>
+                                        <p:attrNameLst>
+                                          <p:attrName>style.visibility</p:attrName>
+                                        </p:attrNameLst>
+                                      </p:cBhvr>
+                                      <p:to>
+                                        <p:strVal val="visible"/>
+                                      </p:to>
+                                    </p:set>
+                                    <p:animEffect filter="fade" transition="in">
+                                      <p:cBhvr>
+                                        <p:cTn dur="1000"/>
+                                        <p:tgtEl>
+                                          <p:spTgt spid="202"/>
+                                        </p:tgtEl>
+                                      </p:cBhvr>
+                                    </p:animEffect>
+                                  </p:childTnLst>
+                                </p:cTn>
+                              </p:par>
+                            </p:childTnLst>
+                          </p:cTn>
+                        </p:par>
+                      </p:childTnLst>
+                    </p:cTn>
+                  </p:par>
+                  <p:par>
+                    <p:cTn fill="hold">
+                      <p:stCondLst>
+                        <p:cond delay="indefinite"/>
+                      </p:stCondLst>
+                      <p:childTnLst>
+                        <p:par>
+                          <p:cTn fill="hold">
+                            <p:stCondLst>
+                              <p:cond delay="0"/>
+                            </p:stCondLst>
+                            <p:childTnLst>
+                              <p:par>
+                                <p:cTn fill="hold" nodeType="clickEffect" presetClass="entr" presetID="10" presetSubtype="0">
+                                  <p:stCondLst>
+                                    <p:cond delay="0"/>
+                                  </p:stCondLst>
+                                  <p:childTnLst>
+                                    <p:set>
+                                      <p:cBhvr>
+                                        <p:cTn dur="1" fill="hold">
+                                          <p:stCondLst>
+                                            <p:cond delay="0"/>
+                                          </p:stCondLst>
+                                        </p:cTn>
+                                        <p:tgtEl>
+                                          <p:spTgt spid="207"/>
+                                        </p:tgtEl>
+                                        <p:attrNameLst>
+                                          <p:attrName>style.visibility</p:attrName>
+                                        </p:attrNameLst>
+                                      </p:cBhvr>
+                                      <p:to>
+                                        <p:strVal val="visible"/>
+                                      </p:to>
+                                    </p:set>
+                                    <p:animEffect filter="fade" transition="in">
+                                      <p:cBhvr>
+                                        <p:cTn dur="1000"/>
+                                        <p:tgtEl>
+                                          <p:spTgt spid="207"/>
+                                        </p:tgtEl>
+                                      </p:cBhvr>
+                                    </p:animEffect>
+                                  </p:childTnLst>
+                                </p:cTn>
+                              </p:par>
+                            </p:childTnLst>
+                          </p:cTn>
+                        </p:par>
+                      </p:childTnLst>
+                    </p:cTn>
+                  </p:par>
+                </p:childTnLst>
+              </p:cTn>
+              <p:prevCondLst>
+                <p:cond evt="onPrev">
+                  <p:tgtEl>
+                    <p:sldTgt/>
+                  </p:tgtEl>
+                </p:cond>
+              </p:prevCondLst>
+              <p:nextCondLst>
+                <p:cond evt="onNext">
+                  <p:tgtEl>
+                    <p:sldTgt/>
+                  </p:tgtEl>
+                </p:cond>
+              </p:nextCondLst>
+            </p:seq>
+          </p:childTnLst>
+        </p:cTn>
+      </p:par>
+    </p:tnLst>
+  </p:timing>
 </p:sld>
 </file>
 
